--- a/Dokumentacja/Prototyp interfejsu/CosplayBook.pptx
+++ b/Dokumentacja/Prototyp interfejsu/CosplayBook.pptx
@@ -16,19 +16,8 @@
     <p:sldId id="264" r:id="rId10"/>
     <p:sldId id="265" r:id="rId11"/>
     <p:sldId id="266" r:id="rId12"/>
-    <p:sldId id="267" r:id="rId13"/>
-    <p:sldId id="269" r:id="rId14"/>
-    <p:sldId id="270" r:id="rId15"/>
-    <p:sldId id="271" r:id="rId16"/>
-    <p:sldId id="272" r:id="rId17"/>
-    <p:sldId id="273" r:id="rId18"/>
-    <p:sldId id="274" r:id="rId19"/>
-    <p:sldId id="275" r:id="rId20"/>
-    <p:sldId id="276" r:id="rId21"/>
-    <p:sldId id="277" r:id="rId22"/>
-    <p:sldId id="278" r:id="rId23"/>
-    <p:sldId id="279" r:id="rId24"/>
-    <p:sldId id="280" r:id="rId25"/>
+    <p:sldId id="279" r:id="rId13"/>
+    <p:sldId id="280" r:id="rId14"/>
   </p:sldIdLst>
   <p:sldSz cx="9144000" cy="6858000" type="screen4x3"/>
   <p:notesSz cx="6858000" cy="9144000"/>
@@ -143,17 +132,6 @@
             <p14:sldId id="264"/>
             <p14:sldId id="265"/>
             <p14:sldId id="266"/>
-            <p14:sldId id="267"/>
-            <p14:sldId id="269"/>
-            <p14:sldId id="270"/>
-            <p14:sldId id="271"/>
-            <p14:sldId id="272"/>
-            <p14:sldId id="273"/>
-            <p14:sldId id="274"/>
-            <p14:sldId id="275"/>
-            <p14:sldId id="276"/>
-            <p14:sldId id="277"/>
-            <p14:sldId id="278"/>
             <p14:sldId id="279"/>
             <p14:sldId id="280"/>
           </p14:sldIdLst>
@@ -3676,12 +3654,6 @@
           <a:p>
             <a:r>
               <a:rPr lang="pl-PL" dirty="0" smtClean="0"/>
-              <a:t>Projekt interfejsu</a:t>
-            </a:r>
-          </a:p>
-          <a:p>
-            <a:r>
-              <a:rPr lang="pl-PL" dirty="0" smtClean="0"/>
               <a:t>Repozytorium development/production</a:t>
             </a:r>
           </a:p>
@@ -3698,7 +3670,7 @@
           <a:p>
             <a:r>
               <a:rPr lang="pl-PL" dirty="0" smtClean="0"/>
-              <a:t>Skonfigurowany i przygotowany serwer do testów w ramach domeny shafear.space (żeby nie testować tylko na „local-hoscie”</a:t>
+              <a:t>Skonfigurowany i przygotowany serwer do testów w ramach domeny shafear.space (żeby nie testować tylko na „local-hoscie”)</a:t>
             </a:r>
             <a:endParaRPr lang="pl-PL" dirty="0"/>
           </a:p>
@@ -3707,7 +3679,7 @@
     </p:spTree>
     <p:extLst>
       <p:ext uri="{BB962C8B-B14F-4D97-AF65-F5344CB8AC3E}">
-        <p14:creationId xmlns:p14="http://schemas.microsoft.com/office/powerpoint/2010/main" val="1756402619"/>
+        <p14:creationId xmlns:p14="http://schemas.microsoft.com/office/powerpoint/2010/main" val="767977028"/>
       </p:ext>
     </p:extLst>
   </p:cSld>
@@ -3758,7 +3730,7 @@
           <a:p>
             <a:r>
               <a:rPr lang="pl-PL" dirty="0" smtClean="0"/>
-              <a:t>Informacje</a:t>
+              <a:t>Co teraz zrobimy?</a:t>
             </a:r>
             <a:endParaRPr lang="pl-PL" dirty="0"/>
           </a:p>
@@ -3774,1213 +3746,168 @@
             <p:ph idx="1"/>
           </p:nvPr>
         </p:nvSpPr>
-        <p:spPr/>
+        <p:spPr>
+          <a:xfrm>
+            <a:off x="457200" y="1600200"/>
+            <a:ext cx="8229600" cy="4997152"/>
+          </a:xfrm>
+        </p:spPr>
         <p:txBody>
           <a:bodyPr>
-            <a:normAutofit/>
+            <a:normAutofit lnSpcReduction="10000"/>
           </a:bodyPr>
           <a:lstStyle/>
           <a:p>
-            <a:r>
-              <a:rPr lang="pl-PL" sz="2800" dirty="0"/>
-              <a:t>Aplikacja sieciowa na system operacyjny Android. Portal społecznościowy dla </a:t>
-            </a:r>
-            <a:r>
-              <a:rPr lang="pl-PL" sz="2800" dirty="0" smtClean="0"/>
-              <a:t>cosplayerów.</a:t>
-            </a:r>
-          </a:p>
-          <a:p>
-            <a:r>
-              <a:rPr lang="pl-PL" dirty="0" smtClean="0"/>
-              <a:t>DB: MySQL</a:t>
-            </a:r>
-          </a:p>
-          <a:p>
-            <a:r>
-              <a:rPr lang="pl-PL" dirty="0" smtClean="0"/>
-              <a:t>BackEnd: Spring (REST-owe API) </a:t>
-            </a:r>
-          </a:p>
-          <a:p>
-            <a:r>
-              <a:rPr lang="pl-PL" dirty="0" smtClean="0"/>
-              <a:t>FrontEnd: Android (natywna aplikacja)</a:t>
-            </a:r>
-          </a:p>
-          <a:p>
-            <a:r>
-              <a:rPr lang="pl-PL" dirty="0" smtClean="0"/>
-              <a:t>Budowanie aplikacji: Gradle</a:t>
-            </a:r>
-          </a:p>
-          <a:p>
-            <a:r>
-              <a:rPr lang="pl-PL" dirty="0" smtClean="0"/>
-              <a:t>Repozytorium: Github</a:t>
-            </a:r>
-          </a:p>
-          <a:p>
             <a:pPr marL="0" indent="0">
               <a:buNone/>
             </a:pPr>
             <a:r>
-              <a:rPr lang="pl-PL" sz="2400" dirty="0">
+              <a:rPr lang="pl-PL" sz="1600" dirty="0" smtClean="0"/>
+              <a:t>Warsztaty</a:t>
+            </a:r>
+          </a:p>
+          <a:p>
+            <a:pPr>
+              <a:buFont typeface="Arial" pitchFamily="34" charset="0"/>
+              <a:buAutoNum type="arabicPeriod"/>
+            </a:pPr>
+            <a:r>
+              <a:rPr lang="pl-PL" sz="1600" dirty="0" smtClean="0"/>
+              <a:t>Spotykamy się razem w ramach warsztatów, gdzie chciałbym aby każdy wcześniej miał już przygotowanego laptopa z potrzebnymi narzędziami i przetestowanym uruchomieniem aktualnego kodu (dostaliście wczesniej instrukcje jak to zrobić </a:t>
+            </a:r>
+            <a:r>
+              <a:rPr lang="pl-PL" sz="1600" dirty="0">
                 <a:hlinkClick r:id="rId2"/>
               </a:rPr>
-              <a:t>https://github.com/Antah/Projekt-zespolowy/tree/development</a:t>
-            </a:r>
-            <a:endParaRPr lang="pl-PL" sz="2400" dirty="0" smtClean="0"/>
+              <a:t>http://</a:t>
+            </a:r>
+            <a:r>
+              <a:rPr lang="pl-PL" sz="1600" dirty="0" smtClean="0">
+                <a:hlinkClick r:id="rId2"/>
+              </a:rPr>
+              <a:t>pastebin.com/GJiDF36s</a:t>
+            </a:r>
+            <a:r>
+              <a:rPr lang="pl-PL" sz="1600" dirty="0" smtClean="0"/>
+              <a:t>) [ jeżeli coś się nie uda to na spotkaniu spróbujemy to naprawić</a:t>
+            </a:r>
+            <a:r>
+              <a:rPr lang="pl-PL" sz="1600" dirty="0"/>
+              <a:t>]. </a:t>
+            </a:r>
+            <a:endParaRPr lang="pl-PL" sz="1600" dirty="0" smtClean="0"/>
+          </a:p>
+          <a:p>
+            <a:pPr>
+              <a:buAutoNum type="arabicPeriod"/>
+            </a:pPr>
+            <a:r>
+              <a:rPr lang="pl-PL" sz="1600" dirty="0" smtClean="0"/>
+              <a:t>Razem zaprojektujemy i zaimplementujemy całą bazę danych.</a:t>
+            </a:r>
+          </a:p>
+          <a:p>
+            <a:pPr>
+              <a:buAutoNum type="arabicPeriod"/>
+            </a:pPr>
+            <a:r>
+              <a:rPr lang="pl-PL" sz="1600" dirty="0" smtClean="0"/>
+              <a:t>Razem zaprojektujemy REST API.</a:t>
+            </a:r>
+          </a:p>
+          <a:p>
+            <a:pPr>
+              <a:buAutoNum type="arabicPeriod"/>
+            </a:pPr>
+            <a:r>
+              <a:rPr lang="pl-PL" sz="1600" dirty="0" smtClean="0"/>
+              <a:t>Podzielimy zadania, o tym niżej.</a:t>
+            </a:r>
           </a:p>
           <a:p>
             <a:pPr marL="0" indent="0">
               <a:buNone/>
             </a:pPr>
-            <a:endParaRPr lang="pl-PL" dirty="0"/>
+            <a:endParaRPr lang="pl-PL" sz="1600" dirty="0"/>
+          </a:p>
+          <a:p>
+            <a:pPr marL="0" indent="0">
+              <a:buNone/>
+            </a:pPr>
+            <a:r>
+              <a:rPr lang="pl-PL" sz="1600" dirty="0"/>
+              <a:t>W zespole mamy 4 osoby, praca zostanie podzielona następująco:</a:t>
+            </a:r>
+          </a:p>
+          <a:p>
+            <a:pPr marL="457200" indent="-457200">
+              <a:buFont typeface="+mj-lt"/>
+              <a:buAutoNum type="arabicPeriod"/>
+            </a:pPr>
+            <a:r>
+              <a:rPr lang="pl-PL" sz="1600" dirty="0"/>
+              <a:t>Osoba 1 – fullstack dla przypadku P1 (rejestracji) i P2 (odzyskiwania hasła) (samodzielne zaprojektowanie i wykonanie 2 funkcjonalności zaczynając od bazy danych, REST-api i kończąc na kliencie Androida). Zadanie wymaga zapoznania się z wszystkimi technologiami, jednak same przypadki są na tyle odseparowane  (i proste) aby osoba początkująca sobie spokojnie poradziła.</a:t>
+            </a:r>
+          </a:p>
+          <a:p>
+            <a:pPr marL="457200" indent="-457200">
+              <a:buFont typeface="+mj-lt"/>
+              <a:buAutoNum type="arabicPeriod"/>
+            </a:pPr>
+            <a:r>
+              <a:rPr lang="pl-PL" sz="1600" dirty="0"/>
+              <a:t>Osoba 2 (Ja – Michał Jereczek)  - wszystkie pozostałe przypadki po stronie Androida </a:t>
+            </a:r>
+          </a:p>
+          <a:p>
+            <a:pPr marL="457200" indent="-457200">
+              <a:buFont typeface="+mj-lt"/>
+              <a:buAutoNum type="arabicPeriod"/>
+            </a:pPr>
+            <a:r>
+              <a:rPr lang="pl-PL" sz="1600" dirty="0"/>
+              <a:t>Osoba 3 – Implementacjia serwisów RESTowych, w których występuje przesyłanie lub odbieranie zdjęć. (Wymagana duża współpraca </a:t>
+            </a:r>
+            <a:r>
+              <a:rPr lang="pl-PL" sz="1600" dirty="0" smtClean="0"/>
+              <a:t>ze mną)</a:t>
+            </a:r>
+            <a:endParaRPr lang="pl-PL" sz="1600" dirty="0"/>
+          </a:p>
+          <a:p>
+            <a:pPr marL="457200" indent="-457200">
+              <a:buFont typeface="+mj-lt"/>
+              <a:buAutoNum type="arabicPeriod"/>
+            </a:pPr>
+            <a:r>
+              <a:rPr lang="pl-PL" sz="1600" dirty="0"/>
+              <a:t> Osoba 4 – Pozostałe serwisy RESTowe + bycie głównym testerem systemu</a:t>
+            </a:r>
+          </a:p>
+          <a:p>
+            <a:pPr marL="0" indent="0">
+              <a:buNone/>
+            </a:pPr>
+            <a:endParaRPr lang="pl-PL" sz="1600" dirty="0" smtClean="0"/>
+          </a:p>
+          <a:p>
+            <a:pPr marL="0" indent="0">
+              <a:buNone/>
+            </a:pPr>
+            <a:endParaRPr lang="pl-PL" sz="1600" dirty="0" smtClean="0"/>
+          </a:p>
+          <a:p>
+            <a:pPr marL="0" indent="0">
+              <a:buNone/>
+            </a:pPr>
+            <a:endParaRPr lang="pl-PL" sz="1600" dirty="0"/>
           </a:p>
         </p:txBody>
       </p:sp>
     </p:spTree>
     <p:extLst>
       <p:ext uri="{BB962C8B-B14F-4D97-AF65-F5344CB8AC3E}">
-        <p14:creationId xmlns:p14="http://schemas.microsoft.com/office/powerpoint/2010/main" val="3512401410"/>
-      </p:ext>
-    </p:extLst>
-  </p:cSld>
-  <p:clrMapOvr>
-    <a:masterClrMapping/>
-  </p:clrMapOvr>
-  <p:timing>
-    <p:tnLst>
-      <p:par>
-        <p:cTn id="1" dur="indefinite" restart="never" nodeType="tmRoot"/>
-      </p:par>
-    </p:tnLst>
-  </p:timing>
-</p:sld>
-</file>
-
-<file path=ppt/slides/slide14.xml><?xml version="1.0" encoding="utf-8"?>
-<p:sld xmlns:a="http://schemas.openxmlformats.org/drawingml/2006/main" xmlns:r="http://schemas.openxmlformats.org/officeDocument/2006/relationships" xmlns:p="http://schemas.openxmlformats.org/presentationml/2006/main">
-  <p:cSld>
-    <p:spTree>
-      <p:nvGrpSpPr>
-        <p:cNvPr id="1" name=""/>
-        <p:cNvGrpSpPr/>
-        <p:nvPr/>
-      </p:nvGrpSpPr>
-      <p:grpSpPr>
-        <a:xfrm>
-          <a:off x="0" y="0"/>
-          <a:ext cx="0" cy="0"/>
-          <a:chOff x="0" y="0"/>
-          <a:chExt cx="0" cy="0"/>
-        </a:xfrm>
-      </p:grpSpPr>
-      <p:sp>
-        <p:nvSpPr>
-          <p:cNvPr id="2" name="Title 1"/>
-          <p:cNvSpPr>
-            <a:spLocks noGrp="1"/>
-          </p:cNvSpPr>
-          <p:nvPr>
-            <p:ph type="title"/>
-          </p:nvPr>
-        </p:nvSpPr>
-        <p:spPr/>
-        <p:txBody>
-          <a:bodyPr/>
-          <a:lstStyle/>
-          <a:p>
-            <a:r>
-              <a:rPr lang="pl-PL" dirty="0" smtClean="0"/>
-              <a:t>Architektura aplikacji</a:t>
-            </a:r>
-            <a:endParaRPr lang="pl-PL" dirty="0"/>
-          </a:p>
-        </p:txBody>
-      </p:sp>
-      <p:sp>
-        <p:nvSpPr>
-          <p:cNvPr id="3" name="Content Placeholder 2"/>
-          <p:cNvSpPr>
-            <a:spLocks noGrp="1"/>
-          </p:cNvSpPr>
-          <p:nvPr>
-            <p:ph idx="1"/>
-          </p:nvPr>
-        </p:nvSpPr>
-        <p:spPr/>
-        <p:txBody>
-          <a:bodyPr/>
-          <a:lstStyle/>
-          <a:p>
-            <a:r>
-              <a:rPr lang="pl-PL" sz="2400" dirty="0" smtClean="0"/>
-              <a:t>Aplikacja serwerowa w Springu podzielona jest na dwa moduły „CosplayModel” (wszystkie możliwe struktury definiujące REST’owe odpowidzi) oraz „CosplayServer” (Definicja REST-owych serwisów).</a:t>
-            </a:r>
-          </a:p>
-          <a:p>
-            <a:r>
-              <a:rPr lang="pl-PL" sz="2400" dirty="0" smtClean="0"/>
-              <a:t>Serwer jest budowany zautomatyzowanym skryptem w Gradl’u. Tworzony jest </a:t>
-            </a:r>
-            <a:r>
-              <a:rPr lang="pl-PL" sz="2400" b="1" dirty="0" smtClean="0"/>
-              <a:t>CosplayModel.jar</a:t>
-            </a:r>
-            <a:r>
-              <a:rPr lang="pl-PL" sz="2400" dirty="0" smtClean="0"/>
-              <a:t>, który </a:t>
-            </a:r>
-            <a:r>
-              <a:rPr lang="pl-PL" sz="2400" b="1" dirty="0" smtClean="0"/>
-              <a:t>można ponownie wykorzystać w aplikacji na Androidzie.</a:t>
-            </a:r>
-            <a:r>
-              <a:rPr lang="pl-PL" sz="2400" dirty="0" smtClean="0"/>
-              <a:t> </a:t>
-            </a:r>
-          </a:p>
-        </p:txBody>
-      </p:sp>
-    </p:spTree>
-    <p:extLst>
-      <p:ext uri="{BB962C8B-B14F-4D97-AF65-F5344CB8AC3E}">
-        <p14:creationId xmlns:p14="http://schemas.microsoft.com/office/powerpoint/2010/main" val="1291941768"/>
-      </p:ext>
-    </p:extLst>
-  </p:cSld>
-  <p:clrMapOvr>
-    <a:masterClrMapping/>
-  </p:clrMapOvr>
-  <p:timing>
-    <p:tnLst>
-      <p:par>
-        <p:cTn id="1" dur="indefinite" restart="never" nodeType="tmRoot"/>
-      </p:par>
-    </p:tnLst>
-  </p:timing>
-</p:sld>
-</file>
-
-<file path=ppt/slides/slide15.xml><?xml version="1.0" encoding="utf-8"?>
-<p:sld xmlns:a="http://schemas.openxmlformats.org/drawingml/2006/main" xmlns:r="http://schemas.openxmlformats.org/officeDocument/2006/relationships" xmlns:p="http://schemas.openxmlformats.org/presentationml/2006/main">
-  <p:cSld>
-    <p:spTree>
-      <p:nvGrpSpPr>
-        <p:cNvPr id="1" name=""/>
-        <p:cNvGrpSpPr/>
-        <p:nvPr/>
-      </p:nvGrpSpPr>
-      <p:grpSpPr>
-        <a:xfrm>
-          <a:off x="0" y="0"/>
-          <a:ext cx="0" cy="0"/>
-          <a:chOff x="0" y="0"/>
-          <a:chExt cx="0" cy="0"/>
-        </a:xfrm>
-      </p:grpSpPr>
-      <p:sp>
-        <p:nvSpPr>
-          <p:cNvPr id="2" name="Title 1"/>
-          <p:cNvSpPr>
-            <a:spLocks noGrp="1"/>
-          </p:cNvSpPr>
-          <p:nvPr>
-            <p:ph type="title"/>
-          </p:nvPr>
-        </p:nvSpPr>
-        <p:spPr/>
-        <p:txBody>
-          <a:bodyPr/>
-          <a:lstStyle/>
-          <a:p>
-            <a:r>
-              <a:rPr lang="pl-PL" dirty="0" smtClean="0"/>
-              <a:t>Projekt interfejsu w pidoco</a:t>
-            </a:r>
-            <a:endParaRPr lang="pl-PL" dirty="0"/>
-          </a:p>
-        </p:txBody>
-      </p:sp>
-      <p:sp>
-        <p:nvSpPr>
-          <p:cNvPr id="3" name="Content Placeholder 2"/>
-          <p:cNvSpPr>
-            <a:spLocks noGrp="1"/>
-          </p:cNvSpPr>
-          <p:nvPr>
-            <p:ph idx="1"/>
-          </p:nvPr>
-        </p:nvSpPr>
-        <p:spPr/>
-        <p:txBody>
-          <a:bodyPr/>
-          <a:lstStyle/>
-          <a:p>
-            <a:r>
-              <a:rPr lang="pl-PL" dirty="0" smtClean="0">
-                <a:hlinkClick r:id="rId2"/>
-              </a:rPr>
-              <a:t>https://pidoco.com/rabbit/invitation/TeuUKMfAt3nYdIslSaJetSECCwkpPOJwwtT3lNlj</a:t>
-            </a:r>
-            <a:endParaRPr lang="pl-PL" dirty="0"/>
-          </a:p>
-        </p:txBody>
-      </p:sp>
-      <p:sp>
-        <p:nvSpPr>
-          <p:cNvPr id="4" name="TextBox 3"/>
-          <p:cNvSpPr txBox="1"/>
-          <p:nvPr/>
-        </p:nvSpPr>
-        <p:spPr>
-          <a:xfrm>
-            <a:off x="539552" y="2924944"/>
-            <a:ext cx="7992888" cy="646331"/>
-          </a:xfrm>
-          <a:prstGeom prst="rect">
-            <a:avLst/>
-          </a:prstGeom>
-          <a:noFill/>
-        </p:spPr>
-        <p:txBody>
-          <a:bodyPr wrap="square" rtlCol="0">
-            <a:spAutoFit/>
-          </a:bodyPr>
-          <a:lstStyle/>
-          <a:p>
-            <a:r>
-              <a:rPr lang="pl-PL" dirty="0" smtClean="0"/>
-              <a:t>Można poklikać, jest to tylko szkic, więc nie jest bardzo dokładny. Szkic ten będzie omówiony na następnych slajdach.</a:t>
-            </a:r>
-            <a:endParaRPr lang="pl-PL" dirty="0"/>
-          </a:p>
-        </p:txBody>
-      </p:sp>
-    </p:spTree>
-    <p:extLst>
-      <p:ext uri="{BB962C8B-B14F-4D97-AF65-F5344CB8AC3E}">
-        <p14:creationId xmlns:p14="http://schemas.microsoft.com/office/powerpoint/2010/main" val="3507980470"/>
-      </p:ext>
-    </p:extLst>
-  </p:cSld>
-  <p:clrMapOvr>
-    <a:masterClrMapping/>
-  </p:clrMapOvr>
-  <p:timing>
-    <p:tnLst>
-      <p:par>
-        <p:cTn id="1" dur="indefinite" restart="never" nodeType="tmRoot"/>
-      </p:par>
-    </p:tnLst>
-  </p:timing>
-</p:sld>
-</file>
-
-<file path=ppt/slides/slide16.xml><?xml version="1.0" encoding="utf-8"?>
-<p:sld xmlns:a="http://schemas.openxmlformats.org/drawingml/2006/main" xmlns:r="http://schemas.openxmlformats.org/officeDocument/2006/relationships" xmlns:p="http://schemas.openxmlformats.org/presentationml/2006/main">
-  <p:cSld>
-    <p:spTree>
-      <p:nvGrpSpPr>
-        <p:cNvPr id="1" name=""/>
-        <p:cNvGrpSpPr/>
-        <p:nvPr/>
-      </p:nvGrpSpPr>
-      <p:grpSpPr>
-        <a:xfrm>
-          <a:off x="0" y="0"/>
-          <a:ext cx="0" cy="0"/>
-          <a:chOff x="0" y="0"/>
-          <a:chExt cx="0" cy="0"/>
-        </a:xfrm>
-      </p:grpSpPr>
-      <p:sp>
-        <p:nvSpPr>
-          <p:cNvPr id="2" name="Title 1"/>
-          <p:cNvSpPr>
-            <a:spLocks noGrp="1"/>
-          </p:cNvSpPr>
-          <p:nvPr>
-            <p:ph type="title"/>
-          </p:nvPr>
-        </p:nvSpPr>
-        <p:spPr/>
-        <p:txBody>
-          <a:bodyPr>
-            <a:normAutofit fontScale="90000"/>
-          </a:bodyPr>
-          <a:lstStyle/>
-          <a:p>
-            <a:r>
-              <a:rPr lang="pl-PL" dirty="0" smtClean="0"/>
-              <a:t>Uproszczone przypadki użycia oraz szkic interfejsu.</a:t>
-            </a:r>
-            <a:endParaRPr lang="pl-PL" dirty="0"/>
-          </a:p>
-        </p:txBody>
-      </p:sp>
-    </p:spTree>
-    <p:extLst>
-      <p:ext uri="{BB962C8B-B14F-4D97-AF65-F5344CB8AC3E}">
-        <p14:creationId xmlns:p14="http://schemas.microsoft.com/office/powerpoint/2010/main" val="611365291"/>
-      </p:ext>
-    </p:extLst>
-  </p:cSld>
-  <p:clrMapOvr>
-    <a:masterClrMapping/>
-  </p:clrMapOvr>
-  <p:timing>
-    <p:tnLst>
-      <p:par>
-        <p:cTn id="1" dur="indefinite" restart="never" nodeType="tmRoot"/>
-      </p:par>
-    </p:tnLst>
-  </p:timing>
-</p:sld>
-</file>
-
-<file path=ppt/slides/slide17.xml><?xml version="1.0" encoding="utf-8"?>
-<p:sld xmlns:a="http://schemas.openxmlformats.org/drawingml/2006/main" xmlns:r="http://schemas.openxmlformats.org/officeDocument/2006/relationships" xmlns:p="http://schemas.openxmlformats.org/presentationml/2006/main">
-  <p:cSld>
-    <p:spTree>
-      <p:nvGrpSpPr>
-        <p:cNvPr id="1" name=""/>
-        <p:cNvGrpSpPr/>
-        <p:nvPr/>
-      </p:nvGrpSpPr>
-      <p:grpSpPr>
-        <a:xfrm>
-          <a:off x="0" y="0"/>
-          <a:ext cx="0" cy="0"/>
-          <a:chOff x="0" y="0"/>
-          <a:chExt cx="0" cy="0"/>
-        </a:xfrm>
-      </p:grpSpPr>
-      <p:sp>
-        <p:nvSpPr>
-          <p:cNvPr id="2" name="Title 1"/>
-          <p:cNvSpPr>
-            <a:spLocks noGrp="1"/>
-          </p:cNvSpPr>
-          <p:nvPr>
-            <p:ph type="title"/>
-          </p:nvPr>
-        </p:nvSpPr>
-        <p:spPr>
-          <a:xfrm>
-            <a:off x="251520" y="0"/>
-            <a:ext cx="2194248" cy="476672"/>
-          </a:xfrm>
-        </p:spPr>
-        <p:txBody>
-          <a:bodyPr>
-            <a:normAutofit fontScale="90000"/>
-          </a:bodyPr>
-          <a:lstStyle/>
-          <a:p>
-            <a:pPr algn="l"/>
-            <a:r>
-              <a:rPr lang="pl-PL" sz="3600" dirty="0" smtClean="0"/>
-              <a:t>Logowanie</a:t>
-            </a:r>
-            <a:endParaRPr lang="pl-PL" dirty="0"/>
-          </a:p>
-        </p:txBody>
-      </p:sp>
-      <p:sp>
-        <p:nvSpPr>
-          <p:cNvPr id="3" name="Content Placeholder 2"/>
-          <p:cNvSpPr>
-            <a:spLocks noGrp="1"/>
-          </p:cNvSpPr>
-          <p:nvPr>
-            <p:ph idx="1"/>
-          </p:nvPr>
-        </p:nvSpPr>
-        <p:spPr>
-          <a:xfrm>
-            <a:off x="4061520" y="476672"/>
-            <a:ext cx="5082480" cy="6115051"/>
-          </a:xfrm>
-        </p:spPr>
-        <p:txBody>
-          <a:bodyPr>
-            <a:normAutofit/>
-          </a:bodyPr>
-          <a:lstStyle/>
-          <a:p>
-            <a:pPr marL="0" indent="0">
-              <a:buNone/>
-            </a:pPr>
-            <a:r>
-              <a:rPr lang="pl-PL" sz="1400" b="1" dirty="0" smtClean="0"/>
-              <a:t>P1. Rejestracja</a:t>
-            </a:r>
-            <a:r>
-              <a:rPr lang="pl-PL" sz="1400" dirty="0" smtClean="0"/>
-              <a:t> (pominięte w projekcie interfejsu)</a:t>
-            </a:r>
-            <a:br>
-              <a:rPr lang="pl-PL" sz="1400" dirty="0" smtClean="0"/>
-            </a:br>
-            <a:r>
-              <a:rPr lang="pl-PL" sz="1400" dirty="0" smtClean="0"/>
-              <a:t>1. Użytkownik wprowadza dane:</a:t>
-            </a:r>
-            <a:br>
-              <a:rPr lang="pl-PL" sz="1400" dirty="0" smtClean="0"/>
-            </a:br>
-            <a:r>
-              <a:rPr lang="pl-PL" sz="1400" dirty="0" smtClean="0"/>
-              <a:t>    - Nick</a:t>
-            </a:r>
-            <a:br>
-              <a:rPr lang="pl-PL" sz="1400" dirty="0" smtClean="0"/>
-            </a:br>
-            <a:r>
-              <a:rPr lang="pl-PL" sz="1400" dirty="0" smtClean="0"/>
-              <a:t>    - Hasło</a:t>
-            </a:r>
-            <a:br>
-              <a:rPr lang="pl-PL" sz="1400" dirty="0" smtClean="0"/>
-            </a:br>
-            <a:r>
-              <a:rPr lang="pl-PL" sz="1400" dirty="0" smtClean="0"/>
-              <a:t>    - Email</a:t>
-            </a:r>
-          </a:p>
-          <a:p>
-            <a:pPr marL="0" indent="0">
-              <a:buNone/>
-            </a:pPr>
-            <a:r>
-              <a:rPr lang="pl-PL" sz="1400" dirty="0"/>
-              <a:t> </a:t>
-            </a:r>
-            <a:r>
-              <a:rPr lang="pl-PL" sz="1400" dirty="0" smtClean="0"/>
-              <a:t>   - Podpowiedź hasła (jak w Windowsie)</a:t>
-            </a:r>
-            <a:br>
-              <a:rPr lang="pl-PL" sz="1400" dirty="0" smtClean="0"/>
-            </a:br>
-            <a:r>
-              <a:rPr lang="pl-PL" sz="1400" dirty="0" smtClean="0"/>
-              <a:t>2. Na email wysyłany jest link aktywacyjny konto</a:t>
-            </a:r>
-          </a:p>
-          <a:p>
-            <a:pPr marL="0" indent="0">
-              <a:buNone/>
-            </a:pPr>
-            <a:r>
-              <a:rPr lang="pl-PL" sz="1400" dirty="0" smtClean="0"/>
-              <a:t>3. Użytkownik klika link i od tego momentu może się już logować.</a:t>
-            </a:r>
-          </a:p>
-          <a:p>
-            <a:pPr marL="0" indent="0">
-              <a:buNone/>
-            </a:pPr>
-            <a:endParaRPr lang="pl-PL" sz="1400" dirty="0" smtClean="0"/>
-          </a:p>
-          <a:p>
-            <a:pPr marL="0" indent="0">
-              <a:buNone/>
-            </a:pPr>
-            <a:r>
-              <a:rPr lang="pl-PL" sz="1400" b="1" dirty="0" smtClean="0"/>
-              <a:t>P2. Przypomnienie hasła </a:t>
-            </a:r>
-            <a:r>
-              <a:rPr lang="pl-PL" sz="1400" dirty="0"/>
-              <a:t>(pominięte w projekcie interfejsu)</a:t>
-            </a:r>
-            <a:endParaRPr lang="pl-PL" sz="1400" dirty="0" smtClean="0"/>
-          </a:p>
-          <a:p>
-            <a:pPr marL="0" indent="0">
-              <a:buNone/>
-            </a:pPr>
-            <a:r>
-              <a:rPr lang="pl-PL" sz="1400" dirty="0" smtClean="0"/>
-              <a:t>1. Użytkownik podaje email</a:t>
-            </a:r>
-          </a:p>
-          <a:p>
-            <a:pPr marL="0" indent="0">
-              <a:buNone/>
-            </a:pPr>
-            <a:r>
-              <a:rPr lang="pl-PL" sz="1400" dirty="0" smtClean="0"/>
-              <a:t>2. System pokazuje podpowiedź hasła</a:t>
-            </a:r>
-          </a:p>
-          <a:p>
-            <a:pPr marL="0" indent="0">
-              <a:buNone/>
-            </a:pPr>
-            <a:endParaRPr lang="pl-PL" sz="1400" b="1" dirty="0"/>
-          </a:p>
-          <a:p>
-            <a:pPr marL="0" indent="0">
-              <a:buNone/>
-            </a:pPr>
-            <a:r>
-              <a:rPr lang="pl-PL" sz="1400" b="1" dirty="0" smtClean="0"/>
-              <a:t>P3. Logowanie</a:t>
-            </a:r>
-            <a:r>
-              <a:rPr lang="pl-PL" sz="1400" dirty="0" smtClean="0"/>
-              <a:t> (zdjęcie po lewej) // zamiast „Login” będzie „Email”</a:t>
-            </a:r>
-          </a:p>
-          <a:p>
-            <a:pPr>
-              <a:buAutoNum type="arabicPeriod"/>
-            </a:pPr>
-            <a:r>
-              <a:rPr lang="pl-PL" sz="1400" dirty="0" smtClean="0"/>
-              <a:t>Użytkownik podaje email i hasło </a:t>
-            </a:r>
-          </a:p>
-          <a:p>
-            <a:pPr>
-              <a:buAutoNum type="arabicPeriod"/>
-            </a:pPr>
-            <a:r>
-              <a:rPr lang="pl-PL" sz="1400" dirty="0" smtClean="0"/>
-              <a:t>U. klika „Sign In!” i loguje się do Menu Głównego </a:t>
-            </a:r>
-          </a:p>
-          <a:p>
-            <a:pPr marL="0" indent="0">
-              <a:buNone/>
-            </a:pPr>
-            <a:endParaRPr lang="pl-PL" sz="1400" dirty="0" smtClean="0"/>
-          </a:p>
-          <a:p>
-            <a:pPr marL="0" indent="0">
-              <a:buNone/>
-            </a:pPr>
-            <a:endParaRPr lang="pl-PL" sz="1400" dirty="0" smtClean="0"/>
-          </a:p>
-        </p:txBody>
-      </p:sp>
-      <p:pic>
-        <p:nvPicPr>
-          <p:cNvPr id="1027" name="Picture 3" descr="E:\Users\Michal\Git\Projekt-zespolowy\Dokumentacja\Prototyp interfejsu\Logowanie.png"/>
-          <p:cNvPicPr>
-            <a:picLocks noChangeAspect="1" noChangeArrowheads="1"/>
-          </p:cNvPicPr>
-          <p:nvPr/>
-        </p:nvPicPr>
-        <p:blipFill>
-          <a:blip r:embed="rId2">
-            <a:extLst>
-              <a:ext uri="{28A0092B-C50C-407E-A947-70E740481C1C}">
-                <a14:useLocalDpi xmlns:a14="http://schemas.microsoft.com/office/drawing/2010/main" val="0"/>
-              </a:ext>
-            </a:extLst>
-          </a:blip>
-          <a:srcRect/>
-          <a:stretch>
-            <a:fillRect/>
-          </a:stretch>
-        </p:blipFill>
-        <p:spPr bwMode="auto">
-          <a:xfrm>
-            <a:off x="251520" y="476672"/>
-            <a:ext cx="3810000" cy="6115051"/>
-          </a:xfrm>
-          <a:prstGeom prst="rect">
-            <a:avLst/>
-          </a:prstGeom>
-          <a:noFill/>
-          <a:extLst>
-            <a:ext uri="{909E8E84-426E-40DD-AFC4-6F175D3DCCD1}">
-              <a14:hiddenFill xmlns:a14="http://schemas.microsoft.com/office/drawing/2010/main">
-                <a:solidFill>
-                  <a:srgbClr val="FFFFFF"/>
-                </a:solidFill>
-              </a14:hiddenFill>
-            </a:ext>
-          </a:extLst>
-        </p:spPr>
-      </p:pic>
-    </p:spTree>
-    <p:extLst>
-      <p:ext uri="{BB962C8B-B14F-4D97-AF65-F5344CB8AC3E}">
-        <p14:creationId xmlns:p14="http://schemas.microsoft.com/office/powerpoint/2010/main" val="1764412959"/>
-      </p:ext>
-    </p:extLst>
-  </p:cSld>
-  <p:clrMapOvr>
-    <a:masterClrMapping/>
-  </p:clrMapOvr>
-  <p:timing>
-    <p:tnLst>
-      <p:par>
-        <p:cTn id="1" dur="indefinite" restart="never" nodeType="tmRoot"/>
-      </p:par>
-    </p:tnLst>
-  </p:timing>
-</p:sld>
-</file>
-
-<file path=ppt/slides/slide18.xml><?xml version="1.0" encoding="utf-8"?>
-<p:sld xmlns:a="http://schemas.openxmlformats.org/drawingml/2006/main" xmlns:r="http://schemas.openxmlformats.org/officeDocument/2006/relationships" xmlns:p="http://schemas.openxmlformats.org/presentationml/2006/main">
-  <p:cSld>
-    <p:spTree>
-      <p:nvGrpSpPr>
-        <p:cNvPr id="1" name=""/>
-        <p:cNvGrpSpPr/>
-        <p:nvPr/>
-      </p:nvGrpSpPr>
-      <p:grpSpPr>
-        <a:xfrm>
-          <a:off x="0" y="0"/>
-          <a:ext cx="0" cy="0"/>
-          <a:chOff x="0" y="0"/>
-          <a:chExt cx="0" cy="0"/>
-        </a:xfrm>
-      </p:grpSpPr>
-      <p:sp>
-        <p:nvSpPr>
-          <p:cNvPr id="2" name="Title 1"/>
-          <p:cNvSpPr>
-            <a:spLocks noGrp="1"/>
-          </p:cNvSpPr>
-          <p:nvPr>
-            <p:ph type="title"/>
-          </p:nvPr>
-        </p:nvSpPr>
-        <p:spPr>
-          <a:xfrm>
-            <a:off x="251520" y="0"/>
-            <a:ext cx="7200800" cy="476672"/>
-          </a:xfrm>
-        </p:spPr>
-        <p:txBody>
-          <a:bodyPr>
-            <a:normAutofit fontScale="90000"/>
-          </a:bodyPr>
-          <a:lstStyle/>
-          <a:p>
-            <a:pPr algn="l"/>
-            <a:r>
-              <a:rPr lang="pl-PL" sz="3600" dirty="0" smtClean="0"/>
-              <a:t>Menu główne (wszystkie zdjęcia)</a:t>
-            </a:r>
-            <a:endParaRPr lang="pl-PL" dirty="0"/>
-          </a:p>
-        </p:txBody>
-      </p:sp>
-      <p:sp>
-        <p:nvSpPr>
-          <p:cNvPr id="3" name="Content Placeholder 2"/>
-          <p:cNvSpPr>
-            <a:spLocks noGrp="1"/>
-          </p:cNvSpPr>
-          <p:nvPr>
-            <p:ph idx="1"/>
-          </p:nvPr>
-        </p:nvSpPr>
-        <p:spPr>
-          <a:xfrm>
-            <a:off x="4061520" y="476672"/>
-            <a:ext cx="5082480" cy="6115051"/>
-          </a:xfrm>
-        </p:spPr>
-        <p:txBody>
-          <a:bodyPr>
-            <a:normAutofit lnSpcReduction="10000"/>
-          </a:bodyPr>
-          <a:lstStyle/>
-          <a:p>
-            <a:pPr marL="0" indent="0">
-              <a:buNone/>
-            </a:pPr>
-            <a:r>
-              <a:rPr lang="pl-PL" sz="1400" b="1" dirty="0" smtClean="0"/>
-              <a:t>P4. Przeglądanie zdjęć</a:t>
-            </a:r>
-            <a:br>
-              <a:rPr lang="pl-PL" sz="1400" b="1" dirty="0" smtClean="0"/>
-            </a:br>
-            <a:r>
-              <a:rPr lang="pl-PL" sz="1400" dirty="0" smtClean="0"/>
-              <a:t/>
-            </a:r>
-            <a:br>
-              <a:rPr lang="pl-PL" sz="1400" dirty="0" smtClean="0"/>
-            </a:br>
-            <a:r>
-              <a:rPr lang="pl-PL" sz="1400" dirty="0" smtClean="0"/>
-              <a:t>To menu będzie dostępne w 3 wariantach</a:t>
-            </a:r>
-          </a:p>
-          <a:p>
-            <a:pPr marL="0" indent="0">
-              <a:buNone/>
-            </a:pPr>
-            <a:r>
-              <a:rPr lang="pl-PL" sz="1400" dirty="0" smtClean="0"/>
-              <a:t/>
-            </a:r>
-            <a:br>
-              <a:rPr lang="pl-PL" sz="1400" dirty="0" smtClean="0"/>
-            </a:br>
-            <a:r>
-              <a:rPr lang="pl-PL" sz="1400" dirty="0" smtClean="0"/>
-              <a:t>1. All Photos – wszystkie zdjęcia</a:t>
-            </a:r>
-          </a:p>
-          <a:p>
-            <a:pPr marL="0" indent="0">
-              <a:buNone/>
-            </a:pPr>
-            <a:r>
-              <a:rPr lang="pl-PL" sz="1400" dirty="0" smtClean="0"/>
-              <a:t>2. Observed – wszystkie zdjęcia obserwowane przez użytkownika</a:t>
-            </a:r>
-          </a:p>
-          <a:p>
-            <a:pPr marL="0" indent="0">
-              <a:buNone/>
-            </a:pPr>
-            <a:r>
-              <a:rPr lang="pl-PL" sz="1400" dirty="0" smtClean="0"/>
-              <a:t>3. [Someone] Photos – wszystkie zdjęcia danego użytkownika</a:t>
-            </a:r>
-            <a:br>
-              <a:rPr lang="pl-PL" sz="1400" dirty="0" smtClean="0"/>
-            </a:br>
-            <a:r>
-              <a:rPr lang="pl-PL" sz="1400" dirty="0" smtClean="0"/>
-              <a:t/>
-            </a:r>
-            <a:br>
-              <a:rPr lang="pl-PL" sz="1400" dirty="0" smtClean="0"/>
-            </a:br>
-            <a:r>
-              <a:rPr lang="pl-PL" sz="1400" dirty="0" smtClean="0"/>
-              <a:t>Jednak będzie to tylko jedno zapytanie GET do serwera z określonymi parametrami.</a:t>
-            </a:r>
-          </a:p>
-          <a:p>
-            <a:pPr marL="0" indent="0">
-              <a:buNone/>
-            </a:pPr>
-            <a:endParaRPr lang="pl-PL" sz="1400" dirty="0" smtClean="0"/>
-          </a:p>
-          <a:p>
-            <a:pPr marL="0" indent="0">
-              <a:buNone/>
-            </a:pPr>
-            <a:r>
-              <a:rPr lang="pl-PL" sz="1400" dirty="0" smtClean="0"/>
-              <a:t>Wyniki będzie można sortować po:</a:t>
-            </a:r>
-          </a:p>
-          <a:p>
-            <a:pPr marL="0" indent="0">
-              <a:buNone/>
-            </a:pPr>
-            <a:r>
-              <a:rPr lang="pl-PL" sz="1400" dirty="0" smtClean="0"/>
-              <a:t>dacie, ocenie g,s,q lub e, liczbie komentarzy</a:t>
-            </a:r>
-            <a:br>
-              <a:rPr lang="pl-PL" sz="1400" dirty="0" smtClean="0"/>
-            </a:br>
-            <a:r>
-              <a:rPr lang="pl-PL" sz="1400" dirty="0" smtClean="0"/>
-              <a:t/>
-            </a:r>
-            <a:br>
-              <a:rPr lang="pl-PL" sz="1400" dirty="0" smtClean="0"/>
-            </a:br>
-            <a:r>
-              <a:rPr lang="pl-PL" sz="1400" dirty="0" smtClean="0"/>
-              <a:t>Wyniki będą zwracane po 2 (aby nie ściągać wszystkich obrazów na raz)</a:t>
-            </a:r>
-            <a:br>
-              <a:rPr lang="pl-PL" sz="1400" dirty="0" smtClean="0"/>
-            </a:br>
-            <a:r>
-              <a:rPr lang="pl-PL" sz="1400" dirty="0" smtClean="0"/>
-              <a:t/>
-            </a:r>
-            <a:br>
-              <a:rPr lang="pl-PL" sz="1400" dirty="0" smtClean="0"/>
-            </a:br>
-            <a:r>
-              <a:rPr lang="pl-PL" sz="1400" dirty="0" smtClean="0"/>
-              <a:t>(w czasie gdy użytkownik widzi pierwsze 2 kolejne 2 będą ładowane w tle, gdy się załadują użytkownikowi odblokuje się „swapowanie” w lewo do kolejnych 2 zdjęć)</a:t>
-            </a:r>
-          </a:p>
-          <a:p>
-            <a:pPr marL="0" indent="0">
-              <a:buNone/>
-            </a:pPr>
-            <a:endParaRPr lang="pl-PL" sz="1400" dirty="0"/>
-          </a:p>
-          <a:p>
-            <a:pPr marL="0" indent="0">
-              <a:buNone/>
-            </a:pPr>
-            <a:r>
-              <a:rPr lang="pl-PL" sz="1400" b="1" dirty="0" smtClean="0"/>
-              <a:t>Możliwe kliknięcia (poza oczywistymi)</a:t>
-            </a:r>
-          </a:p>
-          <a:p>
-            <a:pPr marL="0" indent="0">
-              <a:buNone/>
-            </a:pPr>
-            <a:r>
-              <a:rPr lang="pl-PL" sz="1400" dirty="0" smtClean="0"/>
-              <a:t>&gt;Menu oceniania po kliknięciu na którąkolwiek ocenę (</a:t>
-            </a:r>
-            <a:r>
-              <a:rPr lang="pl-PL" sz="1400" i="1" dirty="0" smtClean="0"/>
-              <a:t>chyba, że to zdjęcie zalogowanego użytkownika!</a:t>
-            </a:r>
-            <a:r>
-              <a:rPr lang="pl-PL" sz="1400" dirty="0" smtClean="0"/>
-              <a:t>)</a:t>
-            </a:r>
-          </a:p>
-          <a:p>
-            <a:pPr marL="0" indent="0">
-              <a:buNone/>
-            </a:pPr>
-            <a:r>
-              <a:rPr lang="pl-PL" sz="1400" dirty="0" smtClean="0"/>
-              <a:t>&gt;Menu użytkownika po kliknięciu w awatar</a:t>
-            </a:r>
-            <a:br>
-              <a:rPr lang="pl-PL" sz="1400" dirty="0" smtClean="0"/>
-            </a:br>
-            <a:r>
-              <a:rPr lang="pl-PL" sz="1400" dirty="0" smtClean="0"/>
-              <a:t>&gt;Menu główne (wszystkie zdjęcia) przefiltrowane przez klikniętą franczyzę albo postać.</a:t>
-            </a:r>
-            <a:br>
-              <a:rPr lang="pl-PL" sz="1400" dirty="0" smtClean="0"/>
-            </a:br>
-            <a:endParaRPr lang="pl-PL" sz="1400" dirty="0" smtClean="0"/>
-          </a:p>
-          <a:p>
-            <a:pPr marL="0" indent="0">
-              <a:buNone/>
-            </a:pPr>
-            <a:endParaRPr lang="pl-PL" sz="1400" dirty="0" smtClean="0"/>
-          </a:p>
-        </p:txBody>
-      </p:sp>
-      <p:pic>
-        <p:nvPicPr>
-          <p:cNvPr id="2051" name="Picture 3" descr="E:\Users\Michal\Git\Projekt-zespolowy\Dokumentacja\Prototyp interfejsu\Przegl─ůdaniezdj─Ö─ç.png"/>
-          <p:cNvPicPr>
-            <a:picLocks noChangeAspect="1" noChangeArrowheads="1"/>
-          </p:cNvPicPr>
-          <p:nvPr/>
-        </p:nvPicPr>
-        <p:blipFill>
-          <a:blip r:embed="rId2">
-            <a:extLst>
-              <a:ext uri="{28A0092B-C50C-407E-A947-70E740481C1C}">
-                <a14:useLocalDpi xmlns:a14="http://schemas.microsoft.com/office/drawing/2010/main" val="0"/>
-              </a:ext>
-            </a:extLst>
-          </a:blip>
-          <a:srcRect/>
-          <a:stretch>
-            <a:fillRect/>
-          </a:stretch>
-        </p:blipFill>
-        <p:spPr bwMode="auto">
-          <a:xfrm>
-            <a:off x="323528" y="548680"/>
-            <a:ext cx="3448050" cy="6115050"/>
-          </a:xfrm>
-          <a:prstGeom prst="rect">
-            <a:avLst/>
-          </a:prstGeom>
-          <a:noFill/>
-          <a:extLst>
-            <a:ext uri="{909E8E84-426E-40DD-AFC4-6F175D3DCCD1}">
-              <a14:hiddenFill xmlns:a14="http://schemas.microsoft.com/office/drawing/2010/main">
-                <a:solidFill>
-                  <a:srgbClr val="FFFFFF"/>
-                </a:solidFill>
-              </a14:hiddenFill>
-            </a:ext>
-          </a:extLst>
-        </p:spPr>
-      </p:pic>
-    </p:spTree>
-    <p:extLst>
-      <p:ext uri="{BB962C8B-B14F-4D97-AF65-F5344CB8AC3E}">
-        <p14:creationId xmlns:p14="http://schemas.microsoft.com/office/powerpoint/2010/main" val="2830354904"/>
-      </p:ext>
-    </p:extLst>
-  </p:cSld>
-  <p:clrMapOvr>
-    <a:masterClrMapping/>
-  </p:clrMapOvr>
-  <p:timing>
-    <p:tnLst>
-      <p:par>
-        <p:cTn id="1" dur="indefinite" restart="never" nodeType="tmRoot"/>
-      </p:par>
-    </p:tnLst>
-  </p:timing>
-</p:sld>
-</file>
-
-<file path=ppt/slides/slide19.xml><?xml version="1.0" encoding="utf-8"?>
-<p:sld xmlns:a="http://schemas.openxmlformats.org/drawingml/2006/main" xmlns:r="http://schemas.openxmlformats.org/officeDocument/2006/relationships" xmlns:p="http://schemas.openxmlformats.org/presentationml/2006/main">
-  <p:cSld>
-    <p:spTree>
-      <p:nvGrpSpPr>
-        <p:cNvPr id="1" name=""/>
-        <p:cNvGrpSpPr/>
-        <p:nvPr/>
-      </p:nvGrpSpPr>
-      <p:grpSpPr>
-        <a:xfrm>
-          <a:off x="0" y="0"/>
-          <a:ext cx="0" cy="0"/>
-          <a:chOff x="0" y="0"/>
-          <a:chExt cx="0" cy="0"/>
-        </a:xfrm>
-      </p:grpSpPr>
-      <p:sp>
-        <p:nvSpPr>
-          <p:cNvPr id="2" name="Title 1"/>
-          <p:cNvSpPr>
-            <a:spLocks noGrp="1"/>
-          </p:cNvSpPr>
-          <p:nvPr>
-            <p:ph type="title"/>
-          </p:nvPr>
-        </p:nvSpPr>
-        <p:spPr>
-          <a:xfrm>
-            <a:off x="251520" y="0"/>
-            <a:ext cx="7200800" cy="476672"/>
-          </a:xfrm>
-        </p:spPr>
-        <p:txBody>
-          <a:bodyPr>
-            <a:normAutofit fontScale="90000"/>
-          </a:bodyPr>
-          <a:lstStyle/>
-          <a:p>
-            <a:pPr algn="l"/>
-            <a:r>
-              <a:rPr lang="pl-PL" sz="3600" dirty="0" smtClean="0"/>
-              <a:t>Menu zdjęcia</a:t>
-            </a:r>
-            <a:endParaRPr lang="pl-PL" dirty="0"/>
-          </a:p>
-        </p:txBody>
-      </p:sp>
-      <p:sp>
-        <p:nvSpPr>
-          <p:cNvPr id="3" name="Content Placeholder 2"/>
-          <p:cNvSpPr>
-            <a:spLocks noGrp="1"/>
-          </p:cNvSpPr>
-          <p:nvPr>
-            <p:ph idx="1"/>
-          </p:nvPr>
-        </p:nvSpPr>
-        <p:spPr>
-          <a:xfrm>
-            <a:off x="4061520" y="476672"/>
-            <a:ext cx="5082480" cy="6115051"/>
-          </a:xfrm>
-        </p:spPr>
-        <p:txBody>
-          <a:bodyPr>
-            <a:normAutofit/>
-          </a:bodyPr>
-          <a:lstStyle/>
-          <a:p>
-            <a:pPr marL="0" indent="0">
-              <a:buNone/>
-            </a:pPr>
-            <a:r>
-              <a:rPr lang="pl-PL" sz="1400" b="1" dirty="0" smtClean="0"/>
-              <a:t>P5. Przeglądanie zdjęcia</a:t>
-            </a:r>
-            <a:br>
-              <a:rPr lang="pl-PL" sz="1400" b="1" dirty="0" smtClean="0"/>
-            </a:br>
-            <a:r>
-              <a:rPr lang="pl-PL" sz="1400" dirty="0" smtClean="0"/>
-              <a:t/>
-            </a:r>
-            <a:br>
-              <a:rPr lang="pl-PL" sz="1400" dirty="0" smtClean="0"/>
-            </a:br>
-            <a:r>
-              <a:rPr lang="pl-PL" sz="1400" dirty="0" smtClean="0"/>
-              <a:t>To menu będzie dostępne w 2 wariantach</a:t>
-            </a:r>
-          </a:p>
-          <a:p>
-            <a:pPr marL="0" indent="0">
-              <a:buNone/>
-            </a:pPr>
-            <a:r>
-              <a:rPr lang="pl-PL" sz="1400" dirty="0" smtClean="0"/>
-              <a:t/>
-            </a:r>
-            <a:br>
-              <a:rPr lang="pl-PL" sz="1400" dirty="0" smtClean="0"/>
-            </a:br>
-            <a:r>
-              <a:rPr lang="pl-PL" sz="1400" dirty="0" smtClean="0"/>
-              <a:t>1. Mine – moje zdjęcie (zalogowanego użytkownika)</a:t>
-            </a:r>
-          </a:p>
-          <a:p>
-            <a:pPr marL="0" indent="0">
-              <a:buNone/>
-            </a:pPr>
-            <a:r>
-              <a:rPr lang="pl-PL" sz="1400" dirty="0" smtClean="0"/>
-              <a:t>2. Others – zdjęcie innego użytkownika</a:t>
-            </a:r>
-            <a:br>
-              <a:rPr lang="pl-PL" sz="1400" dirty="0" smtClean="0"/>
-            </a:br>
-            <a:r>
-              <a:rPr lang="pl-PL" sz="1400" dirty="0" smtClean="0"/>
-              <a:t/>
-            </a:r>
-            <a:br>
-              <a:rPr lang="pl-PL" sz="1400" dirty="0" smtClean="0"/>
-            </a:br>
-            <a:endParaRPr lang="pl-PL" sz="1400" dirty="0"/>
-          </a:p>
-          <a:p>
-            <a:pPr marL="0" indent="0">
-              <a:buNone/>
-            </a:pPr>
-            <a:r>
-              <a:rPr lang="pl-PL" sz="1400" b="1" dirty="0" smtClean="0"/>
-              <a:t>Możliwe kliknięcia (poza oczywistymi)</a:t>
-            </a:r>
-          </a:p>
-          <a:p>
-            <a:pPr marL="0" indent="0">
-              <a:buNone/>
-            </a:pPr>
-            <a:r>
-              <a:rPr lang="pl-PL" sz="1400" u="sng" dirty="0" smtClean="0"/>
-              <a:t>&gt;[Others ]Menu oceniania po kliknięciu na którąkolwiek ocenę</a:t>
-            </a:r>
-          </a:p>
-          <a:p>
-            <a:pPr marL="0" indent="0">
-              <a:buNone/>
-            </a:pPr>
-            <a:r>
-              <a:rPr lang="pl-PL" sz="1400" u="sng" dirty="0" smtClean="0"/>
-              <a:t>&gt;[Mine] Usunięcie zdjęcia (będzie dodatkowy guzik)</a:t>
-            </a:r>
-          </a:p>
-          <a:p>
-            <a:pPr marL="0" indent="0">
-              <a:buNone/>
-            </a:pPr>
-            <a:r>
-              <a:rPr lang="pl-PL" sz="1400" dirty="0" smtClean="0"/>
-              <a:t>&gt;Menu użytkownika po kliknięciu w awatar</a:t>
-            </a:r>
-            <a:br>
-              <a:rPr lang="pl-PL" sz="1400" dirty="0" smtClean="0"/>
-            </a:br>
-            <a:r>
-              <a:rPr lang="pl-PL" sz="1400" dirty="0" smtClean="0"/>
-              <a:t>&gt;Menu główne (wszystkie zdjęcia) przefiltrowane przez klikniętą franczyzę albo postać.</a:t>
-            </a:r>
-            <a:endParaRPr lang="pl-PL" sz="1400" dirty="0"/>
-          </a:p>
-          <a:p>
-            <a:pPr marL="0" indent="0">
-              <a:buNone/>
-            </a:pPr>
-            <a:r>
-              <a:rPr lang="pl-PL" sz="1400" dirty="0" smtClean="0"/>
-              <a:t/>
-            </a:r>
-            <a:br>
-              <a:rPr lang="pl-PL" sz="1400" dirty="0" smtClean="0"/>
-            </a:br>
-            <a:endParaRPr lang="pl-PL" sz="1400" dirty="0" smtClean="0"/>
-          </a:p>
-          <a:p>
-            <a:pPr marL="0" indent="0">
-              <a:buNone/>
-            </a:pPr>
-            <a:endParaRPr lang="pl-PL" sz="1400" dirty="0" smtClean="0"/>
-          </a:p>
-        </p:txBody>
-      </p:sp>
-      <p:pic>
-        <p:nvPicPr>
-          <p:cNvPr id="3074" name="Picture 2" descr="E:\Users\Michal\Git\Projekt-zespolowy\Dokumentacja\Prototyp interfejsu\Przegl─ůdaniejednegozdj─Öcia.png"/>
-          <p:cNvPicPr>
-            <a:picLocks noChangeAspect="1" noChangeArrowheads="1"/>
-          </p:cNvPicPr>
-          <p:nvPr/>
-        </p:nvPicPr>
-        <p:blipFill>
-          <a:blip r:embed="rId2">
-            <a:extLst>
-              <a:ext uri="{28A0092B-C50C-407E-A947-70E740481C1C}">
-                <a14:useLocalDpi xmlns:a14="http://schemas.microsoft.com/office/drawing/2010/main" val="0"/>
-              </a:ext>
-            </a:extLst>
-          </a:blip>
-          <a:srcRect/>
-          <a:stretch>
-            <a:fillRect/>
-          </a:stretch>
-        </p:blipFill>
-        <p:spPr bwMode="auto">
-          <a:xfrm>
-            <a:off x="395536" y="476672"/>
-            <a:ext cx="3448050" cy="6115050"/>
-          </a:xfrm>
-          <a:prstGeom prst="rect">
-            <a:avLst/>
-          </a:prstGeom>
-          <a:noFill/>
-          <a:extLst>
-            <a:ext uri="{909E8E84-426E-40DD-AFC4-6F175D3DCCD1}">
-              <a14:hiddenFill xmlns:a14="http://schemas.microsoft.com/office/drawing/2010/main">
-                <a:solidFill>
-                  <a:srgbClr val="FFFFFF"/>
-                </a:solidFill>
-              </a14:hiddenFill>
-            </a:ext>
-          </a:extLst>
-        </p:spPr>
-      </p:pic>
-    </p:spTree>
-    <p:extLst>
-      <p:ext uri="{BB962C8B-B14F-4D97-AF65-F5344CB8AC3E}">
-        <p14:creationId xmlns:p14="http://schemas.microsoft.com/office/powerpoint/2010/main" val="1838553725"/>
+        <p14:creationId xmlns:p14="http://schemas.microsoft.com/office/powerpoint/2010/main" val="1885133214"/>
       </p:ext>
     </p:extLst>
   </p:cSld>
@@ -5117,969 +4044,6 @@
     <p:extLst>
       <p:ext uri="{BB962C8B-B14F-4D97-AF65-F5344CB8AC3E}">
         <p14:creationId xmlns:p14="http://schemas.microsoft.com/office/powerpoint/2010/main" val="3380270793"/>
-      </p:ext>
-    </p:extLst>
-  </p:cSld>
-  <p:clrMapOvr>
-    <a:masterClrMapping/>
-  </p:clrMapOvr>
-  <p:timing>
-    <p:tnLst>
-      <p:par>
-        <p:cTn id="1" dur="indefinite" restart="never" nodeType="tmRoot"/>
-      </p:par>
-    </p:tnLst>
-  </p:timing>
-</p:sld>
-</file>
-
-<file path=ppt/slides/slide20.xml><?xml version="1.0" encoding="utf-8"?>
-<p:sld xmlns:a="http://schemas.openxmlformats.org/drawingml/2006/main" xmlns:r="http://schemas.openxmlformats.org/officeDocument/2006/relationships" xmlns:p="http://schemas.openxmlformats.org/presentationml/2006/main">
-  <p:cSld>
-    <p:spTree>
-      <p:nvGrpSpPr>
-        <p:cNvPr id="1" name=""/>
-        <p:cNvGrpSpPr/>
-        <p:nvPr/>
-      </p:nvGrpSpPr>
-      <p:grpSpPr>
-        <a:xfrm>
-          <a:off x="0" y="0"/>
-          <a:ext cx="0" cy="0"/>
-          <a:chOff x="0" y="0"/>
-          <a:chExt cx="0" cy="0"/>
-        </a:xfrm>
-      </p:grpSpPr>
-      <p:sp>
-        <p:nvSpPr>
-          <p:cNvPr id="2" name="Title 1"/>
-          <p:cNvSpPr>
-            <a:spLocks noGrp="1"/>
-          </p:cNvSpPr>
-          <p:nvPr>
-            <p:ph type="title"/>
-          </p:nvPr>
-        </p:nvSpPr>
-        <p:spPr>
-          <a:xfrm>
-            <a:off x="251520" y="0"/>
-            <a:ext cx="7200800" cy="476672"/>
-          </a:xfrm>
-        </p:spPr>
-        <p:txBody>
-          <a:bodyPr>
-            <a:normAutofit fontScale="90000"/>
-          </a:bodyPr>
-          <a:lstStyle/>
-          <a:p>
-            <a:pPr algn="l"/>
-            <a:r>
-              <a:rPr lang="pl-PL" sz="3600" dirty="0" smtClean="0"/>
-              <a:t>Menu zdjęcia - ocenianie</a:t>
-            </a:r>
-            <a:endParaRPr lang="pl-PL" dirty="0"/>
-          </a:p>
-        </p:txBody>
-      </p:sp>
-      <p:sp>
-        <p:nvSpPr>
-          <p:cNvPr id="3" name="Content Placeholder 2"/>
-          <p:cNvSpPr>
-            <a:spLocks noGrp="1"/>
-          </p:cNvSpPr>
-          <p:nvPr>
-            <p:ph idx="1"/>
-          </p:nvPr>
-        </p:nvSpPr>
-        <p:spPr>
-          <a:xfrm>
-            <a:off x="4061520" y="476672"/>
-            <a:ext cx="5082480" cy="6115051"/>
-          </a:xfrm>
-        </p:spPr>
-        <p:txBody>
-          <a:bodyPr>
-            <a:normAutofit/>
-          </a:bodyPr>
-          <a:lstStyle/>
-          <a:p>
-            <a:pPr marL="0" indent="0">
-              <a:buNone/>
-            </a:pPr>
-            <a:r>
-              <a:rPr lang="pl-PL" sz="1400" b="1" dirty="0" smtClean="0"/>
-              <a:t>P6. Ocenianie zdjęcia</a:t>
-            </a:r>
-            <a:br>
-              <a:rPr lang="pl-PL" sz="1400" b="1" dirty="0" smtClean="0"/>
-            </a:br>
-            <a:r>
-              <a:rPr lang="pl-PL" sz="1400" dirty="0" smtClean="0"/>
-              <a:t/>
-            </a:r>
-            <a:br>
-              <a:rPr lang="pl-PL" sz="1400" dirty="0" smtClean="0"/>
-            </a:br>
-            <a:r>
-              <a:rPr lang="pl-PL" sz="1400" dirty="0" smtClean="0"/>
-              <a:t>Wybieramy liczbe gwiazdek i oceniamy</a:t>
-            </a:r>
-            <a:br>
-              <a:rPr lang="pl-PL" sz="1400" dirty="0" smtClean="0"/>
-            </a:br>
-            <a:r>
-              <a:rPr lang="pl-PL" sz="1400" dirty="0" smtClean="0"/>
-              <a:t>Identycznie będzie się zmieniać ocenę</a:t>
-            </a:r>
-            <a:br>
-              <a:rPr lang="pl-PL" sz="1400" dirty="0" smtClean="0"/>
-            </a:br>
-            <a:r>
-              <a:rPr lang="pl-PL" sz="1400" dirty="0" smtClean="0"/>
-              <a:t/>
-            </a:r>
-            <a:br>
-              <a:rPr lang="pl-PL" sz="1400" dirty="0" smtClean="0"/>
-            </a:br>
-            <a:r>
-              <a:rPr lang="pl-PL" sz="1400" dirty="0" smtClean="0"/>
-              <a:t>To okienko będzie możliwe do wywołania z menu wszystkich zdjęc lub z menu jednego zdjęcia lub z menu użytkownika.</a:t>
-            </a:r>
-          </a:p>
-        </p:txBody>
-      </p:sp>
-      <p:pic>
-        <p:nvPicPr>
-          <p:cNvPr id="4098" name="Picture 2" descr="E:\Users\Michal\Git\Projekt-zespolowy\Dokumentacja\Prototyp interfejsu\Ocenianiezdj─Öcia.png"/>
-          <p:cNvPicPr>
-            <a:picLocks noChangeAspect="1" noChangeArrowheads="1"/>
-          </p:cNvPicPr>
-          <p:nvPr/>
-        </p:nvPicPr>
-        <p:blipFill>
-          <a:blip r:embed="rId2">
-            <a:extLst>
-              <a:ext uri="{28A0092B-C50C-407E-A947-70E740481C1C}">
-                <a14:useLocalDpi xmlns:a14="http://schemas.microsoft.com/office/drawing/2010/main" val="0"/>
-              </a:ext>
-            </a:extLst>
-          </a:blip>
-          <a:srcRect/>
-          <a:stretch>
-            <a:fillRect/>
-          </a:stretch>
-        </p:blipFill>
-        <p:spPr bwMode="auto">
-          <a:xfrm>
-            <a:off x="395536" y="526207"/>
-            <a:ext cx="3448050" cy="6115050"/>
-          </a:xfrm>
-          <a:prstGeom prst="rect">
-            <a:avLst/>
-          </a:prstGeom>
-          <a:noFill/>
-          <a:extLst>
-            <a:ext uri="{909E8E84-426E-40DD-AFC4-6F175D3DCCD1}">
-              <a14:hiddenFill xmlns:a14="http://schemas.microsoft.com/office/drawing/2010/main">
-                <a:solidFill>
-                  <a:srgbClr val="FFFFFF"/>
-                </a:solidFill>
-              </a14:hiddenFill>
-            </a:ext>
-          </a:extLst>
-        </p:spPr>
-      </p:pic>
-    </p:spTree>
-    <p:extLst>
-      <p:ext uri="{BB962C8B-B14F-4D97-AF65-F5344CB8AC3E}">
-        <p14:creationId xmlns:p14="http://schemas.microsoft.com/office/powerpoint/2010/main" val="3502003442"/>
-      </p:ext>
-    </p:extLst>
-  </p:cSld>
-  <p:clrMapOvr>
-    <a:masterClrMapping/>
-  </p:clrMapOvr>
-  <p:timing>
-    <p:tnLst>
-      <p:par>
-        <p:cTn id="1" dur="indefinite" restart="never" nodeType="tmRoot"/>
-      </p:par>
-    </p:tnLst>
-  </p:timing>
-</p:sld>
-</file>
-
-<file path=ppt/slides/slide21.xml><?xml version="1.0" encoding="utf-8"?>
-<p:sld xmlns:a="http://schemas.openxmlformats.org/drawingml/2006/main" xmlns:r="http://schemas.openxmlformats.org/officeDocument/2006/relationships" xmlns:p="http://schemas.openxmlformats.org/presentationml/2006/main">
-  <p:cSld>
-    <p:spTree>
-      <p:nvGrpSpPr>
-        <p:cNvPr id="1" name=""/>
-        <p:cNvGrpSpPr/>
-        <p:nvPr/>
-      </p:nvGrpSpPr>
-      <p:grpSpPr>
-        <a:xfrm>
-          <a:off x="0" y="0"/>
-          <a:ext cx="0" cy="0"/>
-          <a:chOff x="0" y="0"/>
-          <a:chExt cx="0" cy="0"/>
-        </a:xfrm>
-      </p:grpSpPr>
-      <p:sp>
-        <p:nvSpPr>
-          <p:cNvPr id="2" name="Title 1"/>
-          <p:cNvSpPr>
-            <a:spLocks noGrp="1"/>
-          </p:cNvSpPr>
-          <p:nvPr>
-            <p:ph type="title"/>
-          </p:nvPr>
-        </p:nvSpPr>
-        <p:spPr>
-          <a:xfrm>
-            <a:off x="251520" y="0"/>
-            <a:ext cx="7200800" cy="476672"/>
-          </a:xfrm>
-        </p:spPr>
-        <p:txBody>
-          <a:bodyPr>
-            <a:normAutofit fontScale="90000"/>
-          </a:bodyPr>
-          <a:lstStyle/>
-          <a:p>
-            <a:pPr algn="l"/>
-            <a:r>
-              <a:rPr lang="pl-PL" sz="3600" dirty="0" smtClean="0"/>
-              <a:t>Dodanie zdjęcia</a:t>
-            </a:r>
-            <a:endParaRPr lang="pl-PL" dirty="0"/>
-          </a:p>
-        </p:txBody>
-      </p:sp>
-      <p:sp>
-        <p:nvSpPr>
-          <p:cNvPr id="3" name="Content Placeholder 2"/>
-          <p:cNvSpPr>
-            <a:spLocks noGrp="1"/>
-          </p:cNvSpPr>
-          <p:nvPr>
-            <p:ph idx="1"/>
-          </p:nvPr>
-        </p:nvSpPr>
-        <p:spPr>
-          <a:xfrm>
-            <a:off x="4061520" y="476672"/>
-            <a:ext cx="5082480" cy="6115051"/>
-          </a:xfrm>
-        </p:spPr>
-        <p:txBody>
-          <a:bodyPr>
-            <a:normAutofit/>
-          </a:bodyPr>
-          <a:lstStyle/>
-          <a:p>
-            <a:pPr marL="0" indent="0">
-              <a:buNone/>
-            </a:pPr>
-            <a:r>
-              <a:rPr lang="pl-PL" sz="1400" b="1" dirty="0" smtClean="0"/>
-              <a:t>P7. Dodanie zdjęcia</a:t>
-            </a:r>
-            <a:br>
-              <a:rPr lang="pl-PL" sz="1400" b="1" dirty="0" smtClean="0"/>
-            </a:br>
-            <a:r>
-              <a:rPr lang="pl-PL" sz="1400" dirty="0" smtClean="0"/>
-              <a:t>Franczyzy i postacię będziemy oddzielać przecinkiem.</a:t>
-            </a:r>
-            <a:r>
-              <a:rPr lang="pl-PL" sz="1400" dirty="0"/>
-              <a:t/>
-            </a:r>
-            <a:br>
-              <a:rPr lang="pl-PL" sz="1400" dirty="0"/>
-            </a:br>
-            <a:r>
-              <a:rPr lang="pl-PL" sz="1400" dirty="0" smtClean="0"/>
-              <a:t>Po kliknięciu add photo przejdziemy do menu dodanego właśnie zdjęcia.</a:t>
-            </a:r>
-            <a:br>
-              <a:rPr lang="pl-PL" sz="1400" dirty="0" smtClean="0"/>
-            </a:br>
-            <a:r>
-              <a:rPr lang="pl-PL" sz="1400" dirty="0" smtClean="0"/>
-              <a:t/>
-            </a:r>
-            <a:br>
-              <a:rPr lang="pl-PL" sz="1400" dirty="0" smtClean="0"/>
-            </a:br>
-            <a:r>
-              <a:rPr lang="pl-PL" sz="1400" dirty="0" smtClean="0"/>
-              <a:t>! REST będzie musiał zwrócić ID dodanego zdjęcia</a:t>
-            </a:r>
-          </a:p>
-        </p:txBody>
-      </p:sp>
-      <p:pic>
-        <p:nvPicPr>
-          <p:cNvPr id="5122" name="Picture 2" descr="E:\Users\Michal\Git\Projekt-zespolowy\Dokumentacja\Prototyp interfejsu\Dodawaniezdj─Öcia.png"/>
-          <p:cNvPicPr>
-            <a:picLocks noChangeAspect="1" noChangeArrowheads="1"/>
-          </p:cNvPicPr>
-          <p:nvPr/>
-        </p:nvPicPr>
-        <p:blipFill>
-          <a:blip r:embed="rId2">
-            <a:extLst>
-              <a:ext uri="{28A0092B-C50C-407E-A947-70E740481C1C}">
-                <a14:useLocalDpi xmlns:a14="http://schemas.microsoft.com/office/drawing/2010/main" val="0"/>
-              </a:ext>
-            </a:extLst>
-          </a:blip>
-          <a:srcRect/>
-          <a:stretch>
-            <a:fillRect/>
-          </a:stretch>
-        </p:blipFill>
-        <p:spPr bwMode="auto">
-          <a:xfrm>
-            <a:off x="323528" y="476672"/>
-            <a:ext cx="3448050" cy="6115050"/>
-          </a:xfrm>
-          <a:prstGeom prst="rect">
-            <a:avLst/>
-          </a:prstGeom>
-          <a:noFill/>
-          <a:extLst>
-            <a:ext uri="{909E8E84-426E-40DD-AFC4-6F175D3DCCD1}">
-              <a14:hiddenFill xmlns:a14="http://schemas.microsoft.com/office/drawing/2010/main">
-                <a:solidFill>
-                  <a:srgbClr val="FFFFFF"/>
-                </a:solidFill>
-              </a14:hiddenFill>
-            </a:ext>
-          </a:extLst>
-        </p:spPr>
-      </p:pic>
-    </p:spTree>
-    <p:extLst>
-      <p:ext uri="{BB962C8B-B14F-4D97-AF65-F5344CB8AC3E}">
-        <p14:creationId xmlns:p14="http://schemas.microsoft.com/office/powerpoint/2010/main" val="424577773"/>
-      </p:ext>
-    </p:extLst>
-  </p:cSld>
-  <p:clrMapOvr>
-    <a:masterClrMapping/>
-  </p:clrMapOvr>
-  <p:timing>
-    <p:tnLst>
-      <p:par>
-        <p:cTn id="1" dur="indefinite" restart="never" nodeType="tmRoot"/>
-      </p:par>
-    </p:tnLst>
-  </p:timing>
-</p:sld>
-</file>
-
-<file path=ppt/slides/slide22.xml><?xml version="1.0" encoding="utf-8"?>
-<p:sld xmlns:a="http://schemas.openxmlformats.org/drawingml/2006/main" xmlns:r="http://schemas.openxmlformats.org/officeDocument/2006/relationships" xmlns:p="http://schemas.openxmlformats.org/presentationml/2006/main">
-  <p:cSld>
-    <p:spTree>
-      <p:nvGrpSpPr>
-        <p:cNvPr id="1" name=""/>
-        <p:cNvGrpSpPr/>
-        <p:nvPr/>
-      </p:nvGrpSpPr>
-      <p:grpSpPr>
-        <a:xfrm>
-          <a:off x="0" y="0"/>
-          <a:ext cx="0" cy="0"/>
-          <a:chOff x="0" y="0"/>
-          <a:chExt cx="0" cy="0"/>
-        </a:xfrm>
-      </p:grpSpPr>
-      <p:sp>
-        <p:nvSpPr>
-          <p:cNvPr id="2" name="Title 1"/>
-          <p:cNvSpPr>
-            <a:spLocks noGrp="1"/>
-          </p:cNvSpPr>
-          <p:nvPr>
-            <p:ph type="title"/>
-          </p:nvPr>
-        </p:nvSpPr>
-        <p:spPr>
-          <a:xfrm>
-            <a:off x="251520" y="0"/>
-            <a:ext cx="7200800" cy="476672"/>
-          </a:xfrm>
-        </p:spPr>
-        <p:txBody>
-          <a:bodyPr>
-            <a:normAutofit fontScale="90000"/>
-          </a:bodyPr>
-          <a:lstStyle/>
-          <a:p>
-            <a:pPr algn="l"/>
-            <a:r>
-              <a:rPr lang="pl-PL" sz="3600" dirty="0" smtClean="0"/>
-              <a:t>Menu użytkownika</a:t>
-            </a:r>
-            <a:endParaRPr lang="pl-PL" dirty="0"/>
-          </a:p>
-        </p:txBody>
-      </p:sp>
-      <p:sp>
-        <p:nvSpPr>
-          <p:cNvPr id="3" name="Content Placeholder 2"/>
-          <p:cNvSpPr>
-            <a:spLocks noGrp="1"/>
-          </p:cNvSpPr>
-          <p:nvPr>
-            <p:ph idx="1"/>
-          </p:nvPr>
-        </p:nvSpPr>
-        <p:spPr>
-          <a:xfrm>
-            <a:off x="4061520" y="476672"/>
-            <a:ext cx="5082480" cy="6115051"/>
-          </a:xfrm>
-        </p:spPr>
-        <p:txBody>
-          <a:bodyPr>
-            <a:normAutofit/>
-          </a:bodyPr>
-          <a:lstStyle/>
-          <a:p>
-            <a:pPr marL="0" indent="0">
-              <a:buNone/>
-            </a:pPr>
-            <a:r>
-              <a:rPr lang="pl-PL" sz="1400" b="1" dirty="0" smtClean="0"/>
-              <a:t>P8. Menu użytkownika</a:t>
-            </a:r>
-            <a:endParaRPr lang="pl-PL" sz="1400" b="1" dirty="0"/>
-          </a:p>
-          <a:p>
-            <a:pPr marL="0" indent="0">
-              <a:buNone/>
-            </a:pPr>
-            <a:endParaRPr lang="pl-PL" sz="1400" b="1" dirty="0"/>
-          </a:p>
-          <a:p>
-            <a:pPr marL="0" indent="0">
-              <a:buNone/>
-            </a:pPr>
-            <a:r>
-              <a:rPr lang="pl-PL" sz="1400" dirty="0" smtClean="0"/>
-              <a:t>Warianty:</a:t>
-            </a:r>
-            <a:br>
-              <a:rPr lang="pl-PL" sz="1400" dirty="0" smtClean="0"/>
-            </a:br>
-            <a:r>
-              <a:rPr lang="pl-PL" sz="1400" dirty="0" smtClean="0"/>
-              <a:t>1. Mine</a:t>
-            </a:r>
-          </a:p>
-          <a:p>
-            <a:pPr marL="0" indent="0">
-              <a:buNone/>
-            </a:pPr>
-            <a:r>
-              <a:rPr lang="pl-PL" sz="1400" dirty="0" smtClean="0"/>
-              <a:t>2. Others</a:t>
-            </a:r>
-          </a:p>
-          <a:p>
-            <a:pPr marL="0" indent="0">
-              <a:buNone/>
-            </a:pPr>
-            <a:endParaRPr lang="pl-PL" sz="1400" dirty="0"/>
-          </a:p>
-          <a:p>
-            <a:pPr marL="0" indent="0">
-              <a:buNone/>
-            </a:pPr>
-            <a:r>
-              <a:rPr lang="pl-PL" sz="1400" dirty="0" smtClean="0"/>
-              <a:t>Możliwości?</a:t>
-            </a:r>
-          </a:p>
-          <a:p>
-            <a:pPr>
-              <a:buAutoNum type="arabicPeriod"/>
-            </a:pPr>
-            <a:r>
-              <a:rPr lang="pl-PL" sz="1400" dirty="0" smtClean="0"/>
-              <a:t>[Mine] Zmiana awatara (przy rejestracji nie ustawiamy awatara, ta opcja będzie dostępna tylko tutaj) po kliknięciu w awatar. </a:t>
-            </a:r>
-          </a:p>
-          <a:p>
-            <a:pPr>
-              <a:buAutoNum type="arabicPeriod"/>
-            </a:pPr>
-            <a:r>
-              <a:rPr lang="pl-PL" sz="1400" dirty="0" smtClean="0"/>
-              <a:t>[Others] Kliknięcie „obserwuj”/”odobserwuj”</a:t>
-            </a:r>
-          </a:p>
-          <a:p>
-            <a:pPr>
-              <a:buAutoNum type="arabicPeriod"/>
-            </a:pPr>
-            <a:r>
-              <a:rPr lang="pl-PL" sz="1400" dirty="0" smtClean="0"/>
-              <a:t>Można kliknąć w użytkownika z Observing albo Observed by i się pojawi jego menu użytkownika.</a:t>
-            </a:r>
-            <a:br>
-              <a:rPr lang="pl-PL" sz="1400" dirty="0" smtClean="0"/>
-            </a:br>
-            <a:endParaRPr lang="pl-PL" sz="1400" dirty="0"/>
-          </a:p>
-          <a:p>
-            <a:pPr>
-              <a:buAutoNum type="arabicPeriod"/>
-            </a:pPr>
-            <a:endParaRPr lang="pl-PL" sz="1400" dirty="0" smtClean="0"/>
-          </a:p>
-          <a:p>
-            <a:pPr marL="0" indent="0">
-              <a:buNone/>
-            </a:pPr>
-            <a:r>
-              <a:rPr lang="pl-PL" sz="1400" dirty="0" smtClean="0"/>
-              <a:t>Last Added Photo?</a:t>
-            </a:r>
-          </a:p>
-          <a:p>
-            <a:pPr marL="0" indent="0">
-              <a:buNone/>
-            </a:pPr>
-            <a:r>
-              <a:rPr lang="pl-PL" sz="1400" dirty="0" smtClean="0"/>
-              <a:t>Zasady identyczne jak w Menu wszystkich zdjęć, tylko tutaj mamy jedno.</a:t>
-            </a:r>
-          </a:p>
-        </p:txBody>
-      </p:sp>
-      <p:pic>
-        <p:nvPicPr>
-          <p:cNvPr id="6146" name="Picture 2" descr="E:\Users\Michal\Git\Projekt-zespolowy\Dokumentacja\Prototyp interfejsu\Przegl─ůdanieprofilu.png"/>
-          <p:cNvPicPr>
-            <a:picLocks noChangeAspect="1" noChangeArrowheads="1"/>
-          </p:cNvPicPr>
-          <p:nvPr/>
-        </p:nvPicPr>
-        <p:blipFill>
-          <a:blip r:embed="rId2">
-            <a:extLst>
-              <a:ext uri="{28A0092B-C50C-407E-A947-70E740481C1C}">
-                <a14:useLocalDpi xmlns:a14="http://schemas.microsoft.com/office/drawing/2010/main" val="0"/>
-              </a:ext>
-            </a:extLst>
-          </a:blip>
-          <a:srcRect/>
-          <a:stretch>
-            <a:fillRect/>
-          </a:stretch>
-        </p:blipFill>
-        <p:spPr bwMode="auto">
-          <a:xfrm>
-            <a:off x="323528" y="476672"/>
-            <a:ext cx="3448050" cy="6115050"/>
-          </a:xfrm>
-          <a:prstGeom prst="rect">
-            <a:avLst/>
-          </a:prstGeom>
-          <a:noFill/>
-          <a:extLst>
-            <a:ext uri="{909E8E84-426E-40DD-AFC4-6F175D3DCCD1}">
-              <a14:hiddenFill xmlns:a14="http://schemas.microsoft.com/office/drawing/2010/main">
-                <a:solidFill>
-                  <a:srgbClr val="FFFFFF"/>
-                </a:solidFill>
-              </a14:hiddenFill>
-            </a:ext>
-          </a:extLst>
-        </p:spPr>
-      </p:pic>
-    </p:spTree>
-    <p:extLst>
-      <p:ext uri="{BB962C8B-B14F-4D97-AF65-F5344CB8AC3E}">
-        <p14:creationId xmlns:p14="http://schemas.microsoft.com/office/powerpoint/2010/main" val="3282785221"/>
-      </p:ext>
-    </p:extLst>
-  </p:cSld>
-  <p:clrMapOvr>
-    <a:masterClrMapping/>
-  </p:clrMapOvr>
-  <p:timing>
-    <p:tnLst>
-      <p:par>
-        <p:cTn id="1" dur="indefinite" restart="never" nodeType="tmRoot"/>
-      </p:par>
-    </p:tnLst>
-  </p:timing>
-</p:sld>
-</file>
-
-<file path=ppt/slides/slide23.xml><?xml version="1.0" encoding="utf-8"?>
-<p:sld xmlns:a="http://schemas.openxmlformats.org/drawingml/2006/main" xmlns:r="http://schemas.openxmlformats.org/officeDocument/2006/relationships" xmlns:p="http://schemas.openxmlformats.org/presentationml/2006/main">
-  <p:cSld>
-    <p:spTree>
-      <p:nvGrpSpPr>
-        <p:cNvPr id="1" name=""/>
-        <p:cNvGrpSpPr/>
-        <p:nvPr/>
-      </p:nvGrpSpPr>
-      <p:grpSpPr>
-        <a:xfrm>
-          <a:off x="0" y="0"/>
-          <a:ext cx="0" cy="0"/>
-          <a:chOff x="0" y="0"/>
-          <a:chExt cx="0" cy="0"/>
-        </a:xfrm>
-      </p:grpSpPr>
-      <p:sp>
-        <p:nvSpPr>
-          <p:cNvPr id="2" name="Title 1"/>
-          <p:cNvSpPr>
-            <a:spLocks noGrp="1"/>
-          </p:cNvSpPr>
-          <p:nvPr>
-            <p:ph type="title"/>
-          </p:nvPr>
-        </p:nvSpPr>
-        <p:spPr/>
-        <p:txBody>
-          <a:bodyPr/>
-          <a:lstStyle/>
-          <a:p>
-            <a:r>
-              <a:rPr lang="pl-PL" dirty="0" smtClean="0"/>
-              <a:t>Co już zostało zrobione?</a:t>
-            </a:r>
-            <a:endParaRPr lang="pl-PL" dirty="0"/>
-          </a:p>
-        </p:txBody>
-      </p:sp>
-      <p:sp>
-        <p:nvSpPr>
-          <p:cNvPr id="3" name="Content Placeholder 2"/>
-          <p:cNvSpPr>
-            <a:spLocks noGrp="1"/>
-          </p:cNvSpPr>
-          <p:nvPr>
-            <p:ph idx="1"/>
-          </p:nvPr>
-        </p:nvSpPr>
-        <p:spPr/>
-        <p:txBody>
-          <a:bodyPr>
-            <a:normAutofit/>
-          </a:bodyPr>
-          <a:lstStyle/>
-          <a:p>
-            <a:r>
-              <a:rPr lang="pl-PL" dirty="0" smtClean="0"/>
-              <a:t>Wizja systemu</a:t>
-            </a:r>
-          </a:p>
-          <a:p>
-            <a:r>
-              <a:rPr lang="pl-PL" dirty="0" smtClean="0"/>
-              <a:t>Repozytorium development/production</a:t>
-            </a:r>
-          </a:p>
-          <a:p>
-            <a:r>
-              <a:rPr lang="pl-PL" dirty="0" smtClean="0"/>
-              <a:t>Architektura systemu </a:t>
-            </a:r>
-            <a:r>
-              <a:rPr lang="pl-PL" sz="2000" dirty="0" smtClean="0"/>
-              <a:t>(jeden przykład, przechodzący przez wszystkie warstwy systemu aby każdy mógł się zapoznać z konwencją) [Czyli kod gotowy do rozszerzania!]</a:t>
-            </a:r>
-          </a:p>
-          <a:p>
-            <a:r>
-              <a:rPr lang="pl-PL" dirty="0" smtClean="0"/>
-              <a:t>Skonfigurowany i przygotowany serwer do testów w ramach domeny shafear.space (żeby nie testować tylko na „local-hoscie”)</a:t>
-            </a:r>
-            <a:endParaRPr lang="pl-PL" dirty="0"/>
-          </a:p>
-        </p:txBody>
-      </p:sp>
-    </p:spTree>
-    <p:extLst>
-      <p:ext uri="{BB962C8B-B14F-4D97-AF65-F5344CB8AC3E}">
-        <p14:creationId xmlns:p14="http://schemas.microsoft.com/office/powerpoint/2010/main" val="767977028"/>
-      </p:ext>
-    </p:extLst>
-  </p:cSld>
-  <p:clrMapOvr>
-    <a:masterClrMapping/>
-  </p:clrMapOvr>
-  <p:timing>
-    <p:tnLst>
-      <p:par>
-        <p:cTn id="1" dur="indefinite" restart="never" nodeType="tmRoot"/>
-      </p:par>
-    </p:tnLst>
-  </p:timing>
-</p:sld>
-</file>
-
-<file path=ppt/slides/slide24.xml><?xml version="1.0" encoding="utf-8"?>
-<p:sld xmlns:a="http://schemas.openxmlformats.org/drawingml/2006/main" xmlns:r="http://schemas.openxmlformats.org/officeDocument/2006/relationships" xmlns:p="http://schemas.openxmlformats.org/presentationml/2006/main">
-  <p:cSld>
-    <p:spTree>
-      <p:nvGrpSpPr>
-        <p:cNvPr id="1" name=""/>
-        <p:cNvGrpSpPr/>
-        <p:nvPr/>
-      </p:nvGrpSpPr>
-      <p:grpSpPr>
-        <a:xfrm>
-          <a:off x="0" y="0"/>
-          <a:ext cx="0" cy="0"/>
-          <a:chOff x="0" y="0"/>
-          <a:chExt cx="0" cy="0"/>
-        </a:xfrm>
-      </p:grpSpPr>
-      <p:sp>
-        <p:nvSpPr>
-          <p:cNvPr id="2" name="Title 1"/>
-          <p:cNvSpPr>
-            <a:spLocks noGrp="1"/>
-          </p:cNvSpPr>
-          <p:nvPr>
-            <p:ph type="title"/>
-          </p:nvPr>
-        </p:nvSpPr>
-        <p:spPr/>
-        <p:txBody>
-          <a:bodyPr/>
-          <a:lstStyle/>
-          <a:p>
-            <a:r>
-              <a:rPr lang="pl-PL" dirty="0" smtClean="0"/>
-              <a:t>Co teraz zrobimy?</a:t>
-            </a:r>
-            <a:endParaRPr lang="pl-PL" dirty="0"/>
-          </a:p>
-        </p:txBody>
-      </p:sp>
-      <p:sp>
-        <p:nvSpPr>
-          <p:cNvPr id="3" name="Content Placeholder 2"/>
-          <p:cNvSpPr>
-            <a:spLocks noGrp="1"/>
-          </p:cNvSpPr>
-          <p:nvPr>
-            <p:ph idx="1"/>
-          </p:nvPr>
-        </p:nvSpPr>
-        <p:spPr>
-          <a:xfrm>
-            <a:off x="457200" y="1600200"/>
-            <a:ext cx="8229600" cy="4997152"/>
-          </a:xfrm>
-        </p:spPr>
-        <p:txBody>
-          <a:bodyPr>
-            <a:normAutofit lnSpcReduction="10000"/>
-          </a:bodyPr>
-          <a:lstStyle/>
-          <a:p>
-            <a:pPr marL="0" indent="0">
-              <a:buNone/>
-            </a:pPr>
-            <a:r>
-              <a:rPr lang="pl-PL" sz="1600" dirty="0" smtClean="0"/>
-              <a:t>Warsztaty</a:t>
-            </a:r>
-          </a:p>
-          <a:p>
-            <a:pPr>
-              <a:buFont typeface="Arial" pitchFamily="34" charset="0"/>
-              <a:buAutoNum type="arabicPeriod"/>
-            </a:pPr>
-            <a:r>
-              <a:rPr lang="pl-PL" sz="1600" dirty="0" smtClean="0"/>
-              <a:t>Spotykamy </a:t>
-            </a:r>
-            <a:r>
-              <a:rPr lang="pl-PL" sz="1600" dirty="0" smtClean="0"/>
-              <a:t>się razem w ramach warsztatów, gdzie chciałbym aby każdy wcześniej miał już przygotowanego laptopa z potrzebnymi narzędziami i przetestowanym uruchomieniem aktualnego kodu (dostaliście wczesniej instrukcje jak to </a:t>
-            </a:r>
-            <a:r>
-              <a:rPr lang="pl-PL" sz="1600" dirty="0" smtClean="0"/>
-              <a:t>zrobić </a:t>
-            </a:r>
-            <a:r>
-              <a:rPr lang="pl-PL" sz="1600" dirty="0">
-                <a:hlinkClick r:id="rId2"/>
-              </a:rPr>
-              <a:t>http://</a:t>
-            </a:r>
-            <a:r>
-              <a:rPr lang="pl-PL" sz="1600" dirty="0" smtClean="0">
-                <a:hlinkClick r:id="rId2"/>
-              </a:rPr>
-              <a:t>pastebin.com/GJiDF36s</a:t>
-            </a:r>
-            <a:r>
-              <a:rPr lang="pl-PL" sz="1600" dirty="0" smtClean="0"/>
-              <a:t>)</a:t>
-            </a:r>
-            <a:r>
-              <a:rPr lang="pl-PL" sz="1600" dirty="0" smtClean="0"/>
-              <a:t> </a:t>
-            </a:r>
-            <a:r>
-              <a:rPr lang="pl-PL" sz="1600" dirty="0" smtClean="0"/>
-              <a:t>[ jeżeli coś się nie uda to na spotkaniu spróbujemy to naprawić</a:t>
-            </a:r>
-            <a:r>
-              <a:rPr lang="pl-PL" sz="1600" dirty="0"/>
-              <a:t>]. </a:t>
-            </a:r>
-            <a:endParaRPr lang="pl-PL" sz="1600" dirty="0" smtClean="0"/>
-          </a:p>
-          <a:p>
-            <a:pPr>
-              <a:buAutoNum type="arabicPeriod"/>
-            </a:pPr>
-            <a:r>
-              <a:rPr lang="pl-PL" sz="1600" dirty="0" smtClean="0"/>
-              <a:t>Razem </a:t>
-            </a:r>
-            <a:r>
-              <a:rPr lang="pl-PL" sz="1600" dirty="0" smtClean="0"/>
-              <a:t>zaprojektujemy i zaimplementujemy całą bazę </a:t>
-            </a:r>
-            <a:r>
-              <a:rPr lang="pl-PL" sz="1600" dirty="0" smtClean="0"/>
-              <a:t>danych.</a:t>
-            </a:r>
-          </a:p>
-          <a:p>
-            <a:pPr>
-              <a:buAutoNum type="arabicPeriod"/>
-            </a:pPr>
-            <a:r>
-              <a:rPr lang="pl-PL" sz="1600" dirty="0" smtClean="0"/>
-              <a:t>Razem </a:t>
-            </a:r>
-            <a:r>
-              <a:rPr lang="pl-PL" sz="1600" dirty="0" smtClean="0"/>
-              <a:t>zaprojektujemy REST </a:t>
-            </a:r>
-            <a:r>
-              <a:rPr lang="pl-PL" sz="1600" dirty="0" smtClean="0"/>
-              <a:t>API.</a:t>
-            </a:r>
-          </a:p>
-          <a:p>
-            <a:pPr>
-              <a:buAutoNum type="arabicPeriod"/>
-            </a:pPr>
-            <a:r>
-              <a:rPr lang="pl-PL" sz="1600" dirty="0" smtClean="0"/>
-              <a:t>Podzielimy </a:t>
-            </a:r>
-            <a:r>
-              <a:rPr lang="pl-PL" sz="1600" dirty="0" smtClean="0"/>
-              <a:t>zadania, o tym niżej.</a:t>
-            </a:r>
-          </a:p>
-          <a:p>
-            <a:pPr marL="0" indent="0">
-              <a:buNone/>
-            </a:pPr>
-            <a:endParaRPr lang="pl-PL" sz="1600" dirty="0"/>
-          </a:p>
-          <a:p>
-            <a:pPr marL="0" indent="0">
-              <a:buNone/>
-            </a:pPr>
-            <a:r>
-              <a:rPr lang="pl-PL" sz="1600" dirty="0"/>
-              <a:t>W zespole mamy 4 osoby, praca zostanie podzielona następująco:</a:t>
-            </a:r>
-          </a:p>
-          <a:p>
-            <a:pPr marL="457200" indent="-457200">
-              <a:buFont typeface="+mj-lt"/>
-              <a:buAutoNum type="arabicPeriod"/>
-            </a:pPr>
-            <a:r>
-              <a:rPr lang="pl-PL" sz="1600" dirty="0"/>
-              <a:t>Osoba 1 – fullstack dla przypadku P1 (rejestracji) i P2 (odzyskiwania hasła) (samodzielne zaprojektowanie i wykonanie 2 funkcjonalności zaczynając od bazy danych, REST-api i kończąc na kliencie Androida). Zadanie wymaga zapoznania się z wszystkimi technologiami, jednak same przypadki są na tyle odseparowane  (i proste) aby osoba początkująca sobie spokojnie poradziła.</a:t>
-            </a:r>
-          </a:p>
-          <a:p>
-            <a:pPr marL="457200" indent="-457200">
-              <a:buFont typeface="+mj-lt"/>
-              <a:buAutoNum type="arabicPeriod"/>
-            </a:pPr>
-            <a:r>
-              <a:rPr lang="pl-PL" sz="1600" dirty="0"/>
-              <a:t>Osoba 2 (Ja – Michał Jereczek)  - wszystkie pozostałe przypadki po stronie Androida </a:t>
-            </a:r>
-          </a:p>
-          <a:p>
-            <a:pPr marL="457200" indent="-457200">
-              <a:buFont typeface="+mj-lt"/>
-              <a:buAutoNum type="arabicPeriod"/>
-            </a:pPr>
-            <a:r>
-              <a:rPr lang="pl-PL" sz="1600" dirty="0"/>
-              <a:t>Osoba 3 – Implementacjia serwisów RESTowych, w których występuje przesyłanie lub odbieranie zdjęć. (Wymagana duża współpraca </a:t>
-            </a:r>
-            <a:r>
-              <a:rPr lang="pl-PL" sz="1600" dirty="0" smtClean="0"/>
-              <a:t>ze mną)</a:t>
-            </a:r>
-            <a:endParaRPr lang="pl-PL" sz="1600" dirty="0"/>
-          </a:p>
-          <a:p>
-            <a:pPr marL="457200" indent="-457200">
-              <a:buFont typeface="+mj-lt"/>
-              <a:buAutoNum type="arabicPeriod"/>
-            </a:pPr>
-            <a:r>
-              <a:rPr lang="pl-PL" sz="1600" dirty="0"/>
-              <a:t> Osoba 4 – Pozostałe serwisy RESTowe + bycie głównym testerem systemu</a:t>
-            </a:r>
-          </a:p>
-          <a:p>
-            <a:pPr marL="0" indent="0">
-              <a:buNone/>
-            </a:pPr>
-            <a:endParaRPr lang="pl-PL" sz="1600" dirty="0" smtClean="0"/>
-          </a:p>
-          <a:p>
-            <a:pPr marL="0" indent="0">
-              <a:buNone/>
-            </a:pPr>
-            <a:endParaRPr lang="pl-PL" sz="1600" dirty="0" smtClean="0"/>
-          </a:p>
-          <a:p>
-            <a:pPr marL="0" indent="0">
-              <a:buNone/>
-            </a:pPr>
-            <a:endParaRPr lang="pl-PL" sz="1600" dirty="0"/>
-          </a:p>
-        </p:txBody>
-      </p:sp>
-    </p:spTree>
-    <p:extLst>
-      <p:ext uri="{BB962C8B-B14F-4D97-AF65-F5344CB8AC3E}">
-        <p14:creationId xmlns:p14="http://schemas.microsoft.com/office/powerpoint/2010/main" val="1885133214"/>
       </p:ext>
     </p:extLst>
   </p:cSld>

--- a/Dokumentacja/Prototyp interfejsu/CosplayBook.pptx
+++ b/Dokumentacja/Prototyp interfejsu/CosplayBook.pptx
@@ -3836,7 +3836,15 @@
             </a:pPr>
             <a:r>
               <a:rPr lang="pl-PL" sz="1600" dirty="0"/>
-              <a:t>W zespole mamy 4 osoby, praca zostanie podzielona następująco:</a:t>
+              <a:t>W zespole mamy </a:t>
+            </a:r>
+            <a:r>
+              <a:rPr lang="pl-PL" sz="1600" dirty="0" smtClean="0"/>
+              <a:t>5 osób, </a:t>
+            </a:r>
+            <a:r>
+              <a:rPr lang="pl-PL" sz="1600" dirty="0"/>
+              <a:t>praca zostanie podzielona następująco:</a:t>
             </a:r>
           </a:p>
           <a:p>
@@ -3866,13 +3874,17 @@
             </a:pPr>
             <a:r>
               <a:rPr lang="pl-PL" sz="1600" dirty="0"/>
-              <a:t>Osoba 3 – Implementacjia serwisów RESTowych, w których występuje przesyłanie lub odbieranie zdjęć. (Wymagana duża współpraca </a:t>
+              <a:t>Osoba 3 </a:t>
             </a:r>
             <a:r>
               <a:rPr lang="pl-PL" sz="1600" dirty="0" smtClean="0"/>
-              <a:t>ze mną)</a:t>
-            </a:r>
-            <a:endParaRPr lang="pl-PL" sz="1600" dirty="0"/>
+              <a:t>+ 4 – </a:t>
+            </a:r>
+            <a:r>
+              <a:rPr lang="pl-PL" sz="1600" dirty="0"/>
+              <a:t>Implementacjia serwisów RESTowych, w których występuje przesyłanie lub odbieranie zdjęć. </a:t>
+            </a:r>
+            <a:endParaRPr lang="pl-PL" sz="1600" dirty="0" smtClean="0"/>
           </a:p>
           <a:p>
             <a:pPr marL="457200" indent="-457200">
@@ -3880,8 +3892,12 @@
               <a:buAutoNum type="arabicPeriod"/>
             </a:pPr>
             <a:r>
+              <a:rPr lang="pl-PL" sz="1600" dirty="0" smtClean="0"/>
+              <a:t>Osoba 5  </a:t>
+            </a:r>
+            <a:r>
               <a:rPr lang="pl-PL" sz="1600" dirty="0"/>
-              <a:t> Osoba 4 – Pozostałe serwisy RESTowe + bycie głównym testerem systemu</a:t>
+              <a:t>– Pozostałe serwisy RESTowe + bycie głównym testerem systemu</a:t>
             </a:r>
           </a:p>
           <a:p>
